--- a/Experiment-Report-Templates/2-Topic-Modeling-Template.pptx
+++ b/Experiment-Report-Templates/2-Topic-Modeling-Template.pptx
@@ -815,7 +815,7 @@
   <p:cSld>
     <p:spTree>
       <p:nvGrpSpPr>
-        <p:cNvPr id="118" name="Shape 118"/>
+        <p:cNvPr id="127" name="Shape 127"/>
         <p:cNvGrpSpPr/>
         <p:nvPr/>
       </p:nvGrpSpPr>
@@ -829,7 +829,7 @@
       </p:grpSpPr>
       <p:sp>
         <p:nvSpPr>
-          <p:cNvPr id="119" name="Google Shape;119;g8b325eeb90_0_691:notes"/>
+          <p:cNvPr id="128" name="Google Shape;128;g8b325eeb90_0_691:notes"/>
           <p:cNvSpPr/>
           <p:nvPr>
             <p:ph idx="2" type="sldImg"/>
@@ -864,7 +864,7 @@
       </p:sp>
       <p:sp>
         <p:nvSpPr>
-          <p:cNvPr id="120" name="Google Shape;120;g8b325eeb90_0_691:notes"/>
+          <p:cNvPr id="129" name="Google Shape;129;g8b325eeb90_0_691:notes"/>
           <p:cNvSpPr txBox="1"/>
           <p:nvPr>
             <p:ph idx="1" type="body"/>
@@ -914,7 +914,7 @@
   <p:cSld>
     <p:spTree>
       <p:nvGrpSpPr>
-        <p:cNvPr id="124" name="Shape 124"/>
+        <p:cNvPr id="134" name="Shape 134"/>
         <p:cNvGrpSpPr/>
         <p:nvPr/>
       </p:nvGrpSpPr>
@@ -928,7 +928,7 @@
       </p:grpSpPr>
       <p:sp>
         <p:nvSpPr>
-          <p:cNvPr id="125" name="Google Shape;125;g8b325eeb90_0_696:notes"/>
+          <p:cNvPr id="135" name="Google Shape;135;g8b325eeb90_0_696:notes"/>
           <p:cNvSpPr/>
           <p:nvPr>
             <p:ph idx="2" type="sldImg"/>
@@ -963,7 +963,7 @@
       </p:sp>
       <p:sp>
         <p:nvSpPr>
-          <p:cNvPr id="126" name="Google Shape;126;g8b325eeb90_0_696:notes"/>
+          <p:cNvPr id="136" name="Google Shape;136;g8b325eeb90_0_696:notes"/>
           <p:cNvSpPr txBox="1"/>
           <p:nvPr>
             <p:ph idx="1" type="body"/>
@@ -1013,7 +1013,7 @@
   <p:cSld>
     <p:spTree>
       <p:nvGrpSpPr>
-        <p:cNvPr id="130" name="Shape 130"/>
+        <p:cNvPr id="141" name="Shape 141"/>
         <p:cNvGrpSpPr/>
         <p:nvPr/>
       </p:nvGrpSpPr>
@@ -1027,7 +1027,7 @@
       </p:grpSpPr>
       <p:sp>
         <p:nvSpPr>
-          <p:cNvPr id="131" name="Google Shape;131;g8b325eeb90_0_701:notes"/>
+          <p:cNvPr id="142" name="Google Shape;142;g8b325eeb90_0_701:notes"/>
           <p:cNvSpPr/>
           <p:nvPr>
             <p:ph idx="2" type="sldImg"/>
@@ -1062,7 +1062,7 @@
       </p:sp>
       <p:sp>
         <p:nvSpPr>
-          <p:cNvPr id="132" name="Google Shape;132;g8b325eeb90_0_701:notes"/>
+          <p:cNvPr id="143" name="Google Shape;143;g8b325eeb90_0_701:notes"/>
           <p:cNvSpPr txBox="1"/>
           <p:nvPr>
             <p:ph idx="1" type="body"/>
@@ -1112,7 +1112,7 @@
   <p:cSld>
     <p:spTree>
       <p:nvGrpSpPr>
-        <p:cNvPr id="136" name="Shape 136"/>
+        <p:cNvPr id="148" name="Shape 148"/>
         <p:cNvGrpSpPr/>
         <p:nvPr/>
       </p:nvGrpSpPr>
@@ -1126,7 +1126,7 @@
       </p:grpSpPr>
       <p:sp>
         <p:nvSpPr>
-          <p:cNvPr id="137" name="Google Shape;137;g8b325eeb90_0_706:notes"/>
+          <p:cNvPr id="149" name="Google Shape;149;g8b325eeb90_0_706:notes"/>
           <p:cNvSpPr/>
           <p:nvPr>
             <p:ph idx="2" type="sldImg"/>
@@ -1161,7 +1161,7 @@
       </p:sp>
       <p:sp>
         <p:nvSpPr>
-          <p:cNvPr id="138" name="Google Shape;138;g8b325eeb90_0_706:notes"/>
+          <p:cNvPr id="150" name="Google Shape;150;g8b325eeb90_0_706:notes"/>
           <p:cNvSpPr txBox="1"/>
           <p:nvPr>
             <p:ph idx="1" type="body"/>
@@ -1211,7 +1211,7 @@
   <p:cSld>
     <p:spTree>
       <p:nvGrpSpPr>
-        <p:cNvPr id="142" name="Shape 142"/>
+        <p:cNvPr id="155" name="Shape 155"/>
         <p:cNvGrpSpPr/>
         <p:nvPr/>
       </p:nvGrpSpPr>
@@ -1225,7 +1225,7 @@
       </p:grpSpPr>
       <p:sp>
         <p:nvSpPr>
-          <p:cNvPr id="143" name="Google Shape;143;g8b325eeb90_0_711:notes"/>
+          <p:cNvPr id="156" name="Google Shape;156;g8b325eeb90_0_711:notes"/>
           <p:cNvSpPr/>
           <p:nvPr>
             <p:ph idx="2" type="sldImg"/>
@@ -1260,7 +1260,7 @@
       </p:sp>
       <p:sp>
         <p:nvSpPr>
-          <p:cNvPr id="144" name="Google Shape;144;g8b325eeb90_0_711:notes"/>
+          <p:cNvPr id="157" name="Google Shape;157;g8b325eeb90_0_711:notes"/>
           <p:cNvSpPr txBox="1"/>
           <p:nvPr>
             <p:ph idx="1" type="body"/>
@@ -1310,7 +1310,7 @@
   <p:cSld>
     <p:spTree>
       <p:nvGrpSpPr>
-        <p:cNvPr id="148" name="Shape 148"/>
+        <p:cNvPr id="162" name="Shape 162"/>
         <p:cNvGrpSpPr/>
         <p:nvPr/>
       </p:nvGrpSpPr>
@@ -1324,7 +1324,7 @@
       </p:grpSpPr>
       <p:sp>
         <p:nvSpPr>
-          <p:cNvPr id="149" name="Google Shape;149;g8b325eeb90_0_716:notes"/>
+          <p:cNvPr id="163" name="Google Shape;163;g8b325eeb90_0_716:notes"/>
           <p:cNvSpPr/>
           <p:nvPr>
             <p:ph idx="2" type="sldImg"/>
@@ -1359,7 +1359,7 @@
       </p:sp>
       <p:sp>
         <p:nvSpPr>
-          <p:cNvPr id="150" name="Google Shape;150;g8b325eeb90_0_716:notes"/>
+          <p:cNvPr id="164" name="Google Shape;164;g8b325eeb90_0_716:notes"/>
           <p:cNvSpPr txBox="1"/>
           <p:nvPr>
             <p:ph idx="1" type="body"/>
@@ -1409,7 +1409,7 @@
   <p:cSld>
     <p:spTree>
       <p:nvGrpSpPr>
-        <p:cNvPr id="154" name="Shape 154"/>
+        <p:cNvPr id="169" name="Shape 169"/>
         <p:cNvGrpSpPr/>
         <p:nvPr/>
       </p:nvGrpSpPr>
@@ -1423,7 +1423,7 @@
       </p:grpSpPr>
       <p:sp>
         <p:nvSpPr>
-          <p:cNvPr id="155" name="Google Shape;155;g8b325eeb90_0_721:notes"/>
+          <p:cNvPr id="170" name="Google Shape;170;g8b325eeb90_0_721:notes"/>
           <p:cNvSpPr/>
           <p:nvPr>
             <p:ph idx="2" type="sldImg"/>
@@ -1458,7 +1458,7 @@
       </p:sp>
       <p:sp>
         <p:nvSpPr>
-          <p:cNvPr id="156" name="Google Shape;156;g8b325eeb90_0_721:notes"/>
+          <p:cNvPr id="171" name="Google Shape;171;g8b325eeb90_0_721:notes"/>
           <p:cNvSpPr txBox="1"/>
           <p:nvPr>
             <p:ph idx="1" type="body"/>
@@ -1508,7 +1508,7 @@
   <p:cSld>
     <p:spTree>
       <p:nvGrpSpPr>
-        <p:cNvPr id="160" name="Shape 160"/>
+        <p:cNvPr id="176" name="Shape 176"/>
         <p:cNvGrpSpPr/>
         <p:nvPr/>
       </p:nvGrpSpPr>
@@ -1522,7 +1522,7 @@
       </p:grpSpPr>
       <p:sp>
         <p:nvSpPr>
-          <p:cNvPr id="161" name="Google Shape;161;g8b325eeb90_0_726:notes"/>
+          <p:cNvPr id="177" name="Google Shape;177;g8b325eeb90_0_726:notes"/>
           <p:cNvSpPr/>
           <p:nvPr>
             <p:ph idx="2" type="sldImg"/>
@@ -1557,7 +1557,7 @@
       </p:sp>
       <p:sp>
         <p:nvSpPr>
-          <p:cNvPr id="162" name="Google Shape;162;g8b325eeb90_0_726:notes"/>
+          <p:cNvPr id="178" name="Google Shape;178;g8b325eeb90_0_726:notes"/>
           <p:cNvSpPr txBox="1"/>
           <p:nvPr>
             <p:ph idx="1" type="body"/>
@@ -1607,7 +1607,7 @@
   <p:cSld>
     <p:spTree>
       <p:nvGrpSpPr>
-        <p:cNvPr id="69" name="Shape 69"/>
+        <p:cNvPr id="70" name="Shape 70"/>
         <p:cNvGrpSpPr/>
         <p:nvPr/>
       </p:nvGrpSpPr>
@@ -1621,7 +1621,7 @@
       </p:grpSpPr>
       <p:sp>
         <p:nvSpPr>
-          <p:cNvPr id="70" name="Google Shape;70;g8b325eeb90_0_731:notes"/>
+          <p:cNvPr id="71" name="Google Shape;71;g8b325eeb90_0_731:notes"/>
           <p:cNvSpPr/>
           <p:nvPr>
             <p:ph idx="2" type="sldImg"/>
@@ -1656,7 +1656,7 @@
       </p:sp>
       <p:sp>
         <p:nvSpPr>
-          <p:cNvPr id="71" name="Google Shape;71;g8b325eeb90_0_731:notes"/>
+          <p:cNvPr id="72" name="Google Shape;72;g8b325eeb90_0_731:notes"/>
           <p:cNvSpPr txBox="1"/>
           <p:nvPr>
             <p:ph idx="1" type="body"/>
@@ -1706,7 +1706,7 @@
   <p:cSld>
     <p:spTree>
       <p:nvGrpSpPr>
-        <p:cNvPr id="75" name="Shape 75"/>
+        <p:cNvPr id="77" name="Shape 77"/>
         <p:cNvGrpSpPr/>
         <p:nvPr/>
       </p:nvGrpSpPr>
@@ -1720,7 +1720,7 @@
       </p:grpSpPr>
       <p:sp>
         <p:nvSpPr>
-          <p:cNvPr id="76" name="Google Shape;76;g8b325eeb90_0_625:notes"/>
+          <p:cNvPr id="78" name="Google Shape;78;g8b325eeb90_0_625:notes"/>
           <p:cNvSpPr/>
           <p:nvPr>
             <p:ph idx="2" type="sldImg"/>
@@ -1755,7 +1755,7 @@
       </p:sp>
       <p:sp>
         <p:nvSpPr>
-          <p:cNvPr id="77" name="Google Shape;77;g8b325eeb90_0_625:notes"/>
+          <p:cNvPr id="79" name="Google Shape;79;g8b325eeb90_0_625:notes"/>
           <p:cNvSpPr txBox="1"/>
           <p:nvPr>
             <p:ph idx="1" type="body"/>
@@ -1805,7 +1805,7 @@
   <p:cSld>
     <p:spTree>
       <p:nvGrpSpPr>
-        <p:cNvPr id="80" name="Shape 80"/>
+        <p:cNvPr id="83" name="Shape 83"/>
         <p:cNvGrpSpPr/>
         <p:nvPr/>
       </p:nvGrpSpPr>
@@ -1819,7 +1819,7 @@
       </p:grpSpPr>
       <p:sp>
         <p:nvSpPr>
-          <p:cNvPr id="81" name="Google Shape;81;g8b325eeb90_0_634:notes"/>
+          <p:cNvPr id="84" name="Google Shape;84;g8b325eeb90_0_634:notes"/>
           <p:cNvSpPr/>
           <p:nvPr>
             <p:ph idx="2" type="sldImg"/>
@@ -1854,7 +1854,7 @@
       </p:sp>
       <p:sp>
         <p:nvSpPr>
-          <p:cNvPr id="82" name="Google Shape;82;g8b325eeb90_0_634:notes"/>
+          <p:cNvPr id="85" name="Google Shape;85;g8b325eeb90_0_634:notes"/>
           <p:cNvSpPr txBox="1"/>
           <p:nvPr>
             <p:ph idx="1" type="body"/>
@@ -1904,7 +1904,7 @@
   <p:cSld>
     <p:spTree>
       <p:nvGrpSpPr>
-        <p:cNvPr id="87" name="Shape 87"/>
+        <p:cNvPr id="91" name="Shape 91"/>
         <p:cNvGrpSpPr/>
         <p:nvPr/>
       </p:nvGrpSpPr>
@@ -1918,7 +1918,7 @@
       </p:grpSpPr>
       <p:sp>
         <p:nvSpPr>
-          <p:cNvPr id="88" name="Google Shape;88;g8b325eeb90_0_664:notes"/>
+          <p:cNvPr id="92" name="Google Shape;92;g8b325eeb90_0_664:notes"/>
           <p:cNvSpPr/>
           <p:nvPr>
             <p:ph idx="2" type="sldImg"/>
@@ -1953,7 +1953,7 @@
       </p:sp>
       <p:sp>
         <p:nvSpPr>
-          <p:cNvPr id="89" name="Google Shape;89;g8b325eeb90_0_664:notes"/>
+          <p:cNvPr id="93" name="Google Shape;93;g8b325eeb90_0_664:notes"/>
           <p:cNvSpPr txBox="1"/>
           <p:nvPr>
             <p:ph idx="1" type="body"/>
@@ -2003,7 +2003,7 @@
   <p:cSld>
     <p:spTree>
       <p:nvGrpSpPr>
-        <p:cNvPr id="93" name="Shape 93"/>
+        <p:cNvPr id="98" name="Shape 98"/>
         <p:cNvGrpSpPr/>
         <p:nvPr/>
       </p:nvGrpSpPr>
@@ -2017,7 +2017,7 @@
       </p:grpSpPr>
       <p:sp>
         <p:nvSpPr>
-          <p:cNvPr id="94" name="Google Shape;94;g8b325eeb90_0_669:notes"/>
+          <p:cNvPr id="99" name="Google Shape;99;g8b325eeb90_0_669:notes"/>
           <p:cNvSpPr/>
           <p:nvPr>
             <p:ph idx="2" type="sldImg"/>
@@ -2052,7 +2052,7 @@
       </p:sp>
       <p:sp>
         <p:nvSpPr>
-          <p:cNvPr id="95" name="Google Shape;95;g8b325eeb90_0_669:notes"/>
+          <p:cNvPr id="100" name="Google Shape;100;g8b325eeb90_0_669:notes"/>
           <p:cNvSpPr txBox="1"/>
           <p:nvPr>
             <p:ph idx="1" type="body"/>
@@ -2102,7 +2102,7 @@
   <p:cSld>
     <p:spTree>
       <p:nvGrpSpPr>
-        <p:cNvPr id="99" name="Shape 99"/>
+        <p:cNvPr id="105" name="Shape 105"/>
         <p:cNvGrpSpPr/>
         <p:nvPr/>
       </p:nvGrpSpPr>
@@ -2116,7 +2116,7 @@
       </p:grpSpPr>
       <p:sp>
         <p:nvSpPr>
-          <p:cNvPr id="100" name="Google Shape;100;g8b325eeb90_0_674:notes"/>
+          <p:cNvPr id="106" name="Google Shape;106;g8b325eeb90_0_674:notes"/>
           <p:cNvSpPr/>
           <p:nvPr>
             <p:ph idx="2" type="sldImg"/>
@@ -2151,7 +2151,7 @@
       </p:sp>
       <p:sp>
         <p:nvSpPr>
-          <p:cNvPr id="101" name="Google Shape;101;g8b325eeb90_0_674:notes"/>
+          <p:cNvPr id="107" name="Google Shape;107;g8b325eeb90_0_674:notes"/>
           <p:cNvSpPr txBox="1"/>
           <p:nvPr>
             <p:ph idx="1" type="body"/>
@@ -2201,7 +2201,7 @@
   <p:cSld>
     <p:spTree>
       <p:nvGrpSpPr>
-        <p:cNvPr id="105" name="Shape 105"/>
+        <p:cNvPr id="112" name="Shape 112"/>
         <p:cNvGrpSpPr/>
         <p:nvPr/>
       </p:nvGrpSpPr>
@@ -2215,7 +2215,7 @@
       </p:grpSpPr>
       <p:sp>
         <p:nvSpPr>
-          <p:cNvPr id="106" name="Google Shape;106;g8b325eeb90_0_680:notes"/>
+          <p:cNvPr id="113" name="Google Shape;113;g8b325eeb90_0_680:notes"/>
           <p:cNvSpPr/>
           <p:nvPr>
             <p:ph idx="2" type="sldImg"/>
@@ -2250,7 +2250,7 @@
       </p:sp>
       <p:sp>
         <p:nvSpPr>
-          <p:cNvPr id="107" name="Google Shape;107;g8b325eeb90_0_680:notes"/>
+          <p:cNvPr id="114" name="Google Shape;114;g8b325eeb90_0_680:notes"/>
           <p:cNvSpPr txBox="1"/>
           <p:nvPr>
             <p:ph idx="1" type="body"/>
@@ -2300,7 +2300,7 @@
   <p:cSld>
     <p:spTree>
       <p:nvGrpSpPr>
-        <p:cNvPr id="111" name="Shape 111"/>
+        <p:cNvPr id="119" name="Shape 119"/>
         <p:cNvGrpSpPr/>
         <p:nvPr/>
       </p:nvGrpSpPr>
@@ -2314,7 +2314,7 @@
       </p:grpSpPr>
       <p:sp>
         <p:nvSpPr>
-          <p:cNvPr id="112" name="Google Shape;112;g8b325eeb90_0_685:notes"/>
+          <p:cNvPr id="120" name="Google Shape;120;g8b325eeb90_0_685:notes"/>
           <p:cNvSpPr/>
           <p:nvPr>
             <p:ph idx="2" type="sldImg"/>
@@ -2349,7 +2349,7 @@
       </p:sp>
       <p:sp>
         <p:nvSpPr>
-          <p:cNvPr id="113" name="Google Shape;113;g8b325eeb90_0_685:notes"/>
+          <p:cNvPr id="121" name="Google Shape;121;g8b325eeb90_0_685:notes"/>
           <p:cNvSpPr txBox="1"/>
           <p:nvPr>
             <p:ph idx="1" type="body"/>
@@ -8409,6 +8409,33 @@
           </a:p>
         </p:txBody>
       </p:sp>
+      <p:pic>
+        <p:nvPicPr>
+          <p:cNvPr id="69" name="Google Shape;69;p13"/>
+          <p:cNvPicPr preferRelativeResize="0"/>
+          <p:nvPr/>
+        </p:nvPicPr>
+        <p:blipFill rotWithShape="1">
+          <a:blip r:embed="rId3">
+            <a:alphaModFix/>
+          </a:blip>
+          <a:srcRect b="0" l="0" r="0" t="3883"/>
+          <a:stretch/>
+        </p:blipFill>
+        <p:spPr>
+          <a:xfrm>
+            <a:off x="8080250" y="45850"/>
+            <a:ext cx="971342" cy="933600"/>
+          </a:xfrm>
+          <a:prstGeom prst="rect">
+            <a:avLst/>
+          </a:prstGeom>
+          <a:noFill/>
+          <a:ln>
+            <a:noFill/>
+          </a:ln>
+        </p:spPr>
+      </p:pic>
     </p:spTree>
   </p:cSld>
   <p:clrMapOvr>
@@ -8422,7 +8449,7 @@
   <p:cSld>
     <p:spTree>
       <p:nvGrpSpPr>
-        <p:cNvPr id="121" name="Shape 121"/>
+        <p:cNvPr id="130" name="Shape 130"/>
         <p:cNvGrpSpPr/>
         <p:nvPr/>
       </p:nvGrpSpPr>
@@ -8436,7 +8463,7 @@
       </p:grpSpPr>
       <p:sp>
         <p:nvSpPr>
-          <p:cNvPr id="122" name="Google Shape;122;p22"/>
+          <p:cNvPr id="131" name="Google Shape;131;p22"/>
           <p:cNvSpPr txBox="1"/>
           <p:nvPr>
             <p:ph type="title"/>
@@ -8476,7 +8503,7 @@
       </p:sp>
       <p:sp>
         <p:nvSpPr>
-          <p:cNvPr id="123" name="Google Shape;123;p22"/>
+          <p:cNvPr id="132" name="Google Shape;132;p22"/>
           <p:cNvSpPr txBox="1"/>
           <p:nvPr>
             <p:ph idx="1" type="body"/>
@@ -8522,6 +8549,33 @@
           </a:p>
         </p:txBody>
       </p:sp>
+      <p:pic>
+        <p:nvPicPr>
+          <p:cNvPr id="133" name="Google Shape;133;p22"/>
+          <p:cNvPicPr preferRelativeResize="0"/>
+          <p:nvPr/>
+        </p:nvPicPr>
+        <p:blipFill rotWithShape="1">
+          <a:blip r:embed="rId3">
+            <a:alphaModFix/>
+          </a:blip>
+          <a:srcRect b="0" l="0" r="0" t="3883"/>
+          <a:stretch/>
+        </p:blipFill>
+        <p:spPr>
+          <a:xfrm>
+            <a:off x="8080250" y="45850"/>
+            <a:ext cx="971342" cy="933600"/>
+          </a:xfrm>
+          <a:prstGeom prst="rect">
+            <a:avLst/>
+          </a:prstGeom>
+          <a:noFill/>
+          <a:ln>
+            <a:noFill/>
+          </a:ln>
+        </p:spPr>
+      </p:pic>
     </p:spTree>
   </p:cSld>
   <p:clrMapOvr>
@@ -8535,7 +8589,7 @@
   <p:cSld>
     <p:spTree>
       <p:nvGrpSpPr>
-        <p:cNvPr id="127" name="Shape 127"/>
+        <p:cNvPr id="137" name="Shape 137"/>
         <p:cNvGrpSpPr/>
         <p:nvPr/>
       </p:nvGrpSpPr>
@@ -8549,7 +8603,7 @@
       </p:grpSpPr>
       <p:sp>
         <p:nvSpPr>
-          <p:cNvPr id="128" name="Google Shape;128;p23"/>
+          <p:cNvPr id="138" name="Google Shape;138;p23"/>
           <p:cNvSpPr txBox="1"/>
           <p:nvPr>
             <p:ph type="title"/>
@@ -8589,7 +8643,7 @@
       </p:sp>
       <p:sp>
         <p:nvSpPr>
-          <p:cNvPr id="129" name="Google Shape;129;p23"/>
+          <p:cNvPr id="139" name="Google Shape;139;p23"/>
           <p:cNvSpPr txBox="1"/>
           <p:nvPr>
             <p:ph idx="1" type="body"/>
@@ -8627,6 +8681,33 @@
           </a:p>
         </p:txBody>
       </p:sp>
+      <p:pic>
+        <p:nvPicPr>
+          <p:cNvPr id="140" name="Google Shape;140;p23"/>
+          <p:cNvPicPr preferRelativeResize="0"/>
+          <p:nvPr/>
+        </p:nvPicPr>
+        <p:blipFill rotWithShape="1">
+          <a:blip r:embed="rId3">
+            <a:alphaModFix/>
+          </a:blip>
+          <a:srcRect b="0" l="0" r="0" t="3883"/>
+          <a:stretch/>
+        </p:blipFill>
+        <p:spPr>
+          <a:xfrm>
+            <a:off x="8080250" y="45850"/>
+            <a:ext cx="971342" cy="933600"/>
+          </a:xfrm>
+          <a:prstGeom prst="rect">
+            <a:avLst/>
+          </a:prstGeom>
+          <a:noFill/>
+          <a:ln>
+            <a:noFill/>
+          </a:ln>
+        </p:spPr>
+      </p:pic>
     </p:spTree>
   </p:cSld>
   <p:clrMapOvr>
@@ -8640,7 +8721,7 @@
   <p:cSld>
     <p:spTree>
       <p:nvGrpSpPr>
-        <p:cNvPr id="133" name="Shape 133"/>
+        <p:cNvPr id="144" name="Shape 144"/>
         <p:cNvGrpSpPr/>
         <p:nvPr/>
       </p:nvGrpSpPr>
@@ -8654,7 +8735,7 @@
       </p:grpSpPr>
       <p:sp>
         <p:nvSpPr>
-          <p:cNvPr id="134" name="Google Shape;134;p24"/>
+          <p:cNvPr id="145" name="Google Shape;145;p24"/>
           <p:cNvSpPr txBox="1"/>
           <p:nvPr>
             <p:ph type="title"/>
@@ -8694,7 +8775,7 @@
       </p:sp>
       <p:sp>
         <p:nvSpPr>
-          <p:cNvPr id="135" name="Google Shape;135;p24"/>
+          <p:cNvPr id="146" name="Google Shape;146;p24"/>
           <p:cNvSpPr txBox="1"/>
           <p:nvPr>
             <p:ph idx="1" type="body"/>
@@ -8732,6 +8813,33 @@
           </a:p>
         </p:txBody>
       </p:sp>
+      <p:pic>
+        <p:nvPicPr>
+          <p:cNvPr id="147" name="Google Shape;147;p24"/>
+          <p:cNvPicPr preferRelativeResize="0"/>
+          <p:nvPr/>
+        </p:nvPicPr>
+        <p:blipFill rotWithShape="1">
+          <a:blip r:embed="rId3">
+            <a:alphaModFix/>
+          </a:blip>
+          <a:srcRect b="0" l="0" r="0" t="3883"/>
+          <a:stretch/>
+        </p:blipFill>
+        <p:spPr>
+          <a:xfrm>
+            <a:off x="8080250" y="45850"/>
+            <a:ext cx="971342" cy="933600"/>
+          </a:xfrm>
+          <a:prstGeom prst="rect">
+            <a:avLst/>
+          </a:prstGeom>
+          <a:noFill/>
+          <a:ln>
+            <a:noFill/>
+          </a:ln>
+        </p:spPr>
+      </p:pic>
     </p:spTree>
   </p:cSld>
   <p:clrMapOvr>
@@ -8741,216 +8849,6 @@
 </file>
 
 <file path=ppt/slides/slide13.xml><?xml version="1.0" encoding="utf-8"?>
-<p:sld xmlns:a="http://schemas.openxmlformats.org/drawingml/2006/main" xmlns:r="http://schemas.openxmlformats.org/officeDocument/2006/relationships" xmlns:mc="http://schemas.openxmlformats.org/markup-compatibility/2006" xmlns:mv="urn:schemas-microsoft-com:mac:vml" xmlns:p="http://schemas.openxmlformats.org/presentationml/2006/main" xmlns:c="http://schemas.openxmlformats.org/drawingml/2006/chart" xmlns:dgm="http://schemas.openxmlformats.org/drawingml/2006/diagram" xmlns:o="urn:schemas-microsoft-com:office:office" xmlns:v="urn:schemas-microsoft-com:vml" xmlns:pvml="urn:schemas-microsoft-com:office:powerpoint" xmlns:com="http://schemas.openxmlformats.org/drawingml/2006/compatibility" xmlns:p14="http://schemas.microsoft.com/office/powerpoint/2010/main" xmlns:p15="http://schemas.microsoft.com/office/powerpoint/2012/main">
-  <p:cSld>
-    <p:spTree>
-      <p:nvGrpSpPr>
-        <p:cNvPr id="139" name="Shape 139"/>
-        <p:cNvGrpSpPr/>
-        <p:nvPr/>
-      </p:nvGrpSpPr>
-      <p:grpSpPr>
-        <a:xfrm>
-          <a:off x="0" y="0"/>
-          <a:ext cx="0" cy="0"/>
-          <a:chOff x="0" y="0"/>
-          <a:chExt cx="0" cy="0"/>
-        </a:xfrm>
-      </p:grpSpPr>
-      <p:sp>
-        <p:nvSpPr>
-          <p:cNvPr id="140" name="Google Shape;140;p25"/>
-          <p:cNvSpPr txBox="1"/>
-          <p:nvPr>
-            <p:ph type="title"/>
-          </p:nvPr>
-        </p:nvSpPr>
-        <p:spPr>
-          <a:xfrm>
-            <a:off x="471900" y="738725"/>
-            <a:ext cx="8222100" cy="767700"/>
-          </a:xfrm>
-          <a:prstGeom prst="rect">
-            <a:avLst/>
-          </a:prstGeom>
-        </p:spPr>
-        <p:txBody>
-          <a:bodyPr anchorCtr="0" anchor="b" bIns="91425" lIns="91425" spcFirstLastPara="1" rIns="91425" wrap="square" tIns="91425">
-            <a:noAutofit/>
-          </a:bodyPr>
-          <a:lstStyle/>
-          <a:p>
-            <a:pPr indent="0" lvl="0" marL="0" rtl="0" algn="l">
-              <a:spcBef>
-                <a:spcPts val="0"/>
-              </a:spcBef>
-              <a:spcAft>
-                <a:spcPts val="0"/>
-              </a:spcAft>
-              <a:buNone/>
-            </a:pPr>
-            <a:r>
-              <a:rPr lang="en"/>
-              <a:t>Topic Model 2 Quantitative Observations</a:t>
-            </a:r>
-            <a:endParaRPr/>
-          </a:p>
-        </p:txBody>
-      </p:sp>
-      <p:sp>
-        <p:nvSpPr>
-          <p:cNvPr id="141" name="Google Shape;141;p25"/>
-          <p:cNvSpPr txBox="1"/>
-          <p:nvPr>
-            <p:ph idx="1" type="body"/>
-          </p:nvPr>
-        </p:nvSpPr>
-        <p:spPr>
-          <a:xfrm>
-            <a:off x="471900" y="1919075"/>
-            <a:ext cx="8222100" cy="2710200"/>
-          </a:xfrm>
-          <a:prstGeom prst="rect">
-            <a:avLst/>
-          </a:prstGeom>
-        </p:spPr>
-        <p:txBody>
-          <a:bodyPr anchorCtr="0" anchor="t" bIns="91425" lIns="91425" spcFirstLastPara="1" rIns="91425" wrap="square" tIns="91425">
-            <a:noAutofit/>
-          </a:bodyPr>
-          <a:lstStyle/>
-          <a:p>
-            <a:pPr indent="0" lvl="0" marL="0" rtl="0" algn="l">
-              <a:spcBef>
-                <a:spcPts val="0"/>
-              </a:spcBef>
-              <a:spcAft>
-                <a:spcPts val="1600"/>
-              </a:spcAft>
-              <a:buNone/>
-            </a:pPr>
-            <a:r>
-              <a:rPr lang="en"/>
-              <a:t>Add your perplexity and coherence scores for your first topic model.</a:t>
-            </a:r>
-            <a:endParaRPr/>
-          </a:p>
-        </p:txBody>
-      </p:sp>
-    </p:spTree>
-  </p:cSld>
-  <p:clrMapOvr>
-    <a:masterClrMapping/>
-  </p:clrMapOvr>
-</p:sld>
-</file>
-
-<file path=ppt/slides/slide14.xml><?xml version="1.0" encoding="utf-8"?>
-<p:sld xmlns:a="http://schemas.openxmlformats.org/drawingml/2006/main" xmlns:r="http://schemas.openxmlformats.org/officeDocument/2006/relationships" xmlns:mc="http://schemas.openxmlformats.org/markup-compatibility/2006" xmlns:mv="urn:schemas-microsoft-com:mac:vml" xmlns:p="http://schemas.openxmlformats.org/presentationml/2006/main" xmlns:c="http://schemas.openxmlformats.org/drawingml/2006/chart" xmlns:dgm="http://schemas.openxmlformats.org/drawingml/2006/diagram" xmlns:o="urn:schemas-microsoft-com:office:office" xmlns:v="urn:schemas-microsoft-com:vml" xmlns:pvml="urn:schemas-microsoft-com:office:powerpoint" xmlns:com="http://schemas.openxmlformats.org/drawingml/2006/compatibility" xmlns:p14="http://schemas.microsoft.com/office/powerpoint/2010/main" xmlns:p15="http://schemas.microsoft.com/office/powerpoint/2012/main">
-  <p:cSld>
-    <p:spTree>
-      <p:nvGrpSpPr>
-        <p:cNvPr id="145" name="Shape 145"/>
-        <p:cNvGrpSpPr/>
-        <p:nvPr/>
-      </p:nvGrpSpPr>
-      <p:grpSpPr>
-        <a:xfrm>
-          <a:off x="0" y="0"/>
-          <a:ext cx="0" cy="0"/>
-          <a:chOff x="0" y="0"/>
-          <a:chExt cx="0" cy="0"/>
-        </a:xfrm>
-      </p:grpSpPr>
-      <p:sp>
-        <p:nvSpPr>
-          <p:cNvPr id="146" name="Google Shape;146;p26"/>
-          <p:cNvSpPr txBox="1"/>
-          <p:nvPr>
-            <p:ph type="title"/>
-          </p:nvPr>
-        </p:nvSpPr>
-        <p:spPr>
-          <a:xfrm>
-            <a:off x="471900" y="738725"/>
-            <a:ext cx="8222100" cy="767700"/>
-          </a:xfrm>
-          <a:prstGeom prst="rect">
-            <a:avLst/>
-          </a:prstGeom>
-        </p:spPr>
-        <p:txBody>
-          <a:bodyPr anchorCtr="0" anchor="b" bIns="91425" lIns="91425" spcFirstLastPara="1" rIns="91425" wrap="square" tIns="91425">
-            <a:noAutofit/>
-          </a:bodyPr>
-          <a:lstStyle/>
-          <a:p>
-            <a:pPr indent="0" lvl="0" marL="0" rtl="0" algn="l">
-              <a:spcBef>
-                <a:spcPts val="0"/>
-              </a:spcBef>
-              <a:spcAft>
-                <a:spcPts val="0"/>
-              </a:spcAft>
-              <a:buNone/>
-            </a:pPr>
-            <a:r>
-              <a:rPr lang="en"/>
-              <a:t>Topic Model Parameter Experiment</a:t>
-            </a:r>
-            <a:endParaRPr/>
-          </a:p>
-        </p:txBody>
-      </p:sp>
-      <p:sp>
-        <p:nvSpPr>
-          <p:cNvPr id="147" name="Google Shape;147;p26"/>
-          <p:cNvSpPr txBox="1"/>
-          <p:nvPr>
-            <p:ph idx="1" type="body"/>
-          </p:nvPr>
-        </p:nvSpPr>
-        <p:spPr>
-          <a:xfrm>
-            <a:off x="471900" y="1919075"/>
-            <a:ext cx="8222100" cy="2710200"/>
-          </a:xfrm>
-          <a:prstGeom prst="rect">
-            <a:avLst/>
-          </a:prstGeom>
-        </p:spPr>
-        <p:txBody>
-          <a:bodyPr anchorCtr="0" anchor="t" bIns="91425" lIns="91425" spcFirstLastPara="1" rIns="91425" wrap="square" tIns="91425">
-            <a:noAutofit/>
-          </a:bodyPr>
-          <a:lstStyle/>
-          <a:p>
-            <a:pPr indent="0" lvl="0" marL="0" rtl="0" algn="l">
-              <a:spcBef>
-                <a:spcPts val="0"/>
-              </a:spcBef>
-              <a:spcAft>
-                <a:spcPts val="1600"/>
-              </a:spcAft>
-              <a:buNone/>
-            </a:pPr>
-            <a:r>
-              <a:rPr lang="en"/>
-              <a:t>What parameter(s) are you changing?</a:t>
-            </a:r>
-            <a:endParaRPr/>
-          </a:p>
-        </p:txBody>
-      </p:sp>
-    </p:spTree>
-  </p:cSld>
-  <p:clrMapOvr>
-    <a:masterClrMapping/>
-  </p:clrMapOvr>
-</p:sld>
-</file>
-
-<file path=ppt/slides/slide15.xml><?xml version="1.0" encoding="utf-8"?>
 <p:sld xmlns:a="http://schemas.openxmlformats.org/drawingml/2006/main" xmlns:r="http://schemas.openxmlformats.org/officeDocument/2006/relationships" xmlns:mc="http://schemas.openxmlformats.org/markup-compatibility/2006" xmlns:mv="urn:schemas-microsoft-com:mac:vml" xmlns:p="http://schemas.openxmlformats.org/presentationml/2006/main" xmlns:c="http://schemas.openxmlformats.org/drawingml/2006/chart" xmlns:dgm="http://schemas.openxmlformats.org/drawingml/2006/diagram" xmlns:o="urn:schemas-microsoft-com:office:office" xmlns:v="urn:schemas-microsoft-com:vml" xmlns:pvml="urn:schemas-microsoft-com:office:powerpoint" xmlns:com="http://schemas.openxmlformats.org/drawingml/2006/compatibility" xmlns:p14="http://schemas.microsoft.com/office/powerpoint/2010/main" xmlns:p15="http://schemas.microsoft.com/office/powerpoint/2012/main">
   <p:cSld>
     <p:spTree>
@@ -8969,7 +8867,271 @@
       </p:grpSpPr>
       <p:sp>
         <p:nvSpPr>
-          <p:cNvPr id="152" name="Google Shape;152;p27"/>
+          <p:cNvPr id="152" name="Google Shape;152;p25"/>
+          <p:cNvSpPr txBox="1"/>
+          <p:nvPr>
+            <p:ph type="title"/>
+          </p:nvPr>
+        </p:nvSpPr>
+        <p:spPr>
+          <a:xfrm>
+            <a:off x="471900" y="738725"/>
+            <a:ext cx="8222100" cy="767700"/>
+          </a:xfrm>
+          <a:prstGeom prst="rect">
+            <a:avLst/>
+          </a:prstGeom>
+        </p:spPr>
+        <p:txBody>
+          <a:bodyPr anchorCtr="0" anchor="b" bIns="91425" lIns="91425" spcFirstLastPara="1" rIns="91425" wrap="square" tIns="91425">
+            <a:noAutofit/>
+          </a:bodyPr>
+          <a:lstStyle/>
+          <a:p>
+            <a:pPr indent="0" lvl="0" marL="0" rtl="0" algn="l">
+              <a:spcBef>
+                <a:spcPts val="0"/>
+              </a:spcBef>
+              <a:spcAft>
+                <a:spcPts val="0"/>
+              </a:spcAft>
+              <a:buNone/>
+            </a:pPr>
+            <a:r>
+              <a:rPr lang="en"/>
+              <a:t>Topic Model 2 Quantitative Observations</a:t>
+            </a:r>
+            <a:endParaRPr/>
+          </a:p>
+        </p:txBody>
+      </p:sp>
+      <p:sp>
+        <p:nvSpPr>
+          <p:cNvPr id="153" name="Google Shape;153;p25"/>
+          <p:cNvSpPr txBox="1"/>
+          <p:nvPr>
+            <p:ph idx="1" type="body"/>
+          </p:nvPr>
+        </p:nvSpPr>
+        <p:spPr>
+          <a:xfrm>
+            <a:off x="471900" y="1919075"/>
+            <a:ext cx="8222100" cy="2710200"/>
+          </a:xfrm>
+          <a:prstGeom prst="rect">
+            <a:avLst/>
+          </a:prstGeom>
+        </p:spPr>
+        <p:txBody>
+          <a:bodyPr anchorCtr="0" anchor="t" bIns="91425" lIns="91425" spcFirstLastPara="1" rIns="91425" wrap="square" tIns="91425">
+            <a:noAutofit/>
+          </a:bodyPr>
+          <a:lstStyle/>
+          <a:p>
+            <a:pPr indent="0" lvl="0" marL="0" rtl="0" algn="l">
+              <a:spcBef>
+                <a:spcPts val="0"/>
+              </a:spcBef>
+              <a:spcAft>
+                <a:spcPts val="1600"/>
+              </a:spcAft>
+              <a:buNone/>
+            </a:pPr>
+            <a:r>
+              <a:rPr lang="en"/>
+              <a:t>Add your perplexity and coherence scores for your first topic model.</a:t>
+            </a:r>
+            <a:endParaRPr/>
+          </a:p>
+        </p:txBody>
+      </p:sp>
+      <p:pic>
+        <p:nvPicPr>
+          <p:cNvPr id="154" name="Google Shape;154;p25"/>
+          <p:cNvPicPr preferRelativeResize="0"/>
+          <p:nvPr/>
+        </p:nvPicPr>
+        <p:blipFill rotWithShape="1">
+          <a:blip r:embed="rId3">
+            <a:alphaModFix/>
+          </a:blip>
+          <a:srcRect b="0" l="0" r="0" t="3883"/>
+          <a:stretch/>
+        </p:blipFill>
+        <p:spPr>
+          <a:xfrm>
+            <a:off x="8080250" y="45850"/>
+            <a:ext cx="971342" cy="933600"/>
+          </a:xfrm>
+          <a:prstGeom prst="rect">
+            <a:avLst/>
+          </a:prstGeom>
+          <a:noFill/>
+          <a:ln>
+            <a:noFill/>
+          </a:ln>
+        </p:spPr>
+      </p:pic>
+    </p:spTree>
+  </p:cSld>
+  <p:clrMapOvr>
+    <a:masterClrMapping/>
+  </p:clrMapOvr>
+</p:sld>
+</file>
+
+<file path=ppt/slides/slide14.xml><?xml version="1.0" encoding="utf-8"?>
+<p:sld xmlns:a="http://schemas.openxmlformats.org/drawingml/2006/main" xmlns:r="http://schemas.openxmlformats.org/officeDocument/2006/relationships" xmlns:mc="http://schemas.openxmlformats.org/markup-compatibility/2006" xmlns:mv="urn:schemas-microsoft-com:mac:vml" xmlns:p="http://schemas.openxmlformats.org/presentationml/2006/main" xmlns:c="http://schemas.openxmlformats.org/drawingml/2006/chart" xmlns:dgm="http://schemas.openxmlformats.org/drawingml/2006/diagram" xmlns:o="urn:schemas-microsoft-com:office:office" xmlns:v="urn:schemas-microsoft-com:vml" xmlns:pvml="urn:schemas-microsoft-com:office:powerpoint" xmlns:com="http://schemas.openxmlformats.org/drawingml/2006/compatibility" xmlns:p14="http://schemas.microsoft.com/office/powerpoint/2010/main" xmlns:p15="http://schemas.microsoft.com/office/powerpoint/2012/main">
+  <p:cSld>
+    <p:spTree>
+      <p:nvGrpSpPr>
+        <p:cNvPr id="158" name="Shape 158"/>
+        <p:cNvGrpSpPr/>
+        <p:nvPr/>
+      </p:nvGrpSpPr>
+      <p:grpSpPr>
+        <a:xfrm>
+          <a:off x="0" y="0"/>
+          <a:ext cx="0" cy="0"/>
+          <a:chOff x="0" y="0"/>
+          <a:chExt cx="0" cy="0"/>
+        </a:xfrm>
+      </p:grpSpPr>
+      <p:sp>
+        <p:nvSpPr>
+          <p:cNvPr id="159" name="Google Shape;159;p26"/>
+          <p:cNvSpPr txBox="1"/>
+          <p:nvPr>
+            <p:ph type="title"/>
+          </p:nvPr>
+        </p:nvSpPr>
+        <p:spPr>
+          <a:xfrm>
+            <a:off x="471900" y="738725"/>
+            <a:ext cx="8222100" cy="767700"/>
+          </a:xfrm>
+          <a:prstGeom prst="rect">
+            <a:avLst/>
+          </a:prstGeom>
+        </p:spPr>
+        <p:txBody>
+          <a:bodyPr anchorCtr="0" anchor="b" bIns="91425" lIns="91425" spcFirstLastPara="1" rIns="91425" wrap="square" tIns="91425">
+            <a:noAutofit/>
+          </a:bodyPr>
+          <a:lstStyle/>
+          <a:p>
+            <a:pPr indent="0" lvl="0" marL="0" rtl="0" algn="l">
+              <a:spcBef>
+                <a:spcPts val="0"/>
+              </a:spcBef>
+              <a:spcAft>
+                <a:spcPts val="0"/>
+              </a:spcAft>
+              <a:buNone/>
+            </a:pPr>
+            <a:r>
+              <a:rPr lang="en"/>
+              <a:t>Topic Model Parameter Experiment</a:t>
+            </a:r>
+            <a:endParaRPr/>
+          </a:p>
+        </p:txBody>
+      </p:sp>
+      <p:sp>
+        <p:nvSpPr>
+          <p:cNvPr id="160" name="Google Shape;160;p26"/>
+          <p:cNvSpPr txBox="1"/>
+          <p:nvPr>
+            <p:ph idx="1" type="body"/>
+          </p:nvPr>
+        </p:nvSpPr>
+        <p:spPr>
+          <a:xfrm>
+            <a:off x="471900" y="1919075"/>
+            <a:ext cx="8222100" cy="2710200"/>
+          </a:xfrm>
+          <a:prstGeom prst="rect">
+            <a:avLst/>
+          </a:prstGeom>
+        </p:spPr>
+        <p:txBody>
+          <a:bodyPr anchorCtr="0" anchor="t" bIns="91425" lIns="91425" spcFirstLastPara="1" rIns="91425" wrap="square" tIns="91425">
+            <a:noAutofit/>
+          </a:bodyPr>
+          <a:lstStyle/>
+          <a:p>
+            <a:pPr indent="0" lvl="0" marL="0" rtl="0" algn="l">
+              <a:spcBef>
+                <a:spcPts val="0"/>
+              </a:spcBef>
+              <a:spcAft>
+                <a:spcPts val="1600"/>
+              </a:spcAft>
+              <a:buNone/>
+            </a:pPr>
+            <a:r>
+              <a:rPr lang="en"/>
+              <a:t>What parameter(s) are you changing?</a:t>
+            </a:r>
+            <a:endParaRPr/>
+          </a:p>
+        </p:txBody>
+      </p:sp>
+      <p:pic>
+        <p:nvPicPr>
+          <p:cNvPr id="161" name="Google Shape;161;p26"/>
+          <p:cNvPicPr preferRelativeResize="0"/>
+          <p:nvPr/>
+        </p:nvPicPr>
+        <p:blipFill rotWithShape="1">
+          <a:blip r:embed="rId3">
+            <a:alphaModFix/>
+          </a:blip>
+          <a:srcRect b="0" l="0" r="0" t="3883"/>
+          <a:stretch/>
+        </p:blipFill>
+        <p:spPr>
+          <a:xfrm>
+            <a:off x="8080250" y="45850"/>
+            <a:ext cx="971342" cy="933600"/>
+          </a:xfrm>
+          <a:prstGeom prst="rect">
+            <a:avLst/>
+          </a:prstGeom>
+          <a:noFill/>
+          <a:ln>
+            <a:noFill/>
+          </a:ln>
+        </p:spPr>
+      </p:pic>
+    </p:spTree>
+  </p:cSld>
+  <p:clrMapOvr>
+    <a:masterClrMapping/>
+  </p:clrMapOvr>
+</p:sld>
+</file>
+
+<file path=ppt/slides/slide15.xml><?xml version="1.0" encoding="utf-8"?>
+<p:sld xmlns:a="http://schemas.openxmlformats.org/drawingml/2006/main" xmlns:r="http://schemas.openxmlformats.org/officeDocument/2006/relationships" xmlns:mc="http://schemas.openxmlformats.org/markup-compatibility/2006" xmlns:mv="urn:schemas-microsoft-com:mac:vml" xmlns:p="http://schemas.openxmlformats.org/presentationml/2006/main" xmlns:c="http://schemas.openxmlformats.org/drawingml/2006/chart" xmlns:dgm="http://schemas.openxmlformats.org/drawingml/2006/diagram" xmlns:o="urn:schemas-microsoft-com:office:office" xmlns:v="urn:schemas-microsoft-com:vml" xmlns:pvml="urn:schemas-microsoft-com:office:powerpoint" xmlns:com="http://schemas.openxmlformats.org/drawingml/2006/compatibility" xmlns:p14="http://schemas.microsoft.com/office/powerpoint/2010/main" xmlns:p15="http://schemas.microsoft.com/office/powerpoint/2012/main">
+  <p:cSld>
+    <p:spTree>
+      <p:nvGrpSpPr>
+        <p:cNvPr id="165" name="Shape 165"/>
+        <p:cNvGrpSpPr/>
+        <p:nvPr/>
+      </p:nvGrpSpPr>
+      <p:grpSpPr>
+        <a:xfrm>
+          <a:off x="0" y="0"/>
+          <a:ext cx="0" cy="0"/>
+          <a:chOff x="0" y="0"/>
+          <a:chExt cx="0" cy="0"/>
+        </a:xfrm>
+      </p:grpSpPr>
+      <p:sp>
+        <p:nvSpPr>
+          <p:cNvPr id="166" name="Google Shape;166;p27"/>
           <p:cNvSpPr txBox="1"/>
           <p:nvPr>
             <p:ph type="title"/>
@@ -9009,7 +9171,7 @@
       </p:sp>
       <p:sp>
         <p:nvSpPr>
-          <p:cNvPr id="153" name="Google Shape;153;p27"/>
+          <p:cNvPr id="167" name="Google Shape;167;p27"/>
           <p:cNvSpPr txBox="1"/>
           <p:nvPr>
             <p:ph idx="1" type="body"/>
@@ -9046,6 +9208,33 @@
           </a:p>
         </p:txBody>
       </p:sp>
+      <p:pic>
+        <p:nvPicPr>
+          <p:cNvPr id="168" name="Google Shape;168;p27"/>
+          <p:cNvPicPr preferRelativeResize="0"/>
+          <p:nvPr/>
+        </p:nvPicPr>
+        <p:blipFill rotWithShape="1">
+          <a:blip r:embed="rId3">
+            <a:alphaModFix/>
+          </a:blip>
+          <a:srcRect b="0" l="0" r="0" t="3883"/>
+          <a:stretch/>
+        </p:blipFill>
+        <p:spPr>
+          <a:xfrm>
+            <a:off x="8080250" y="45850"/>
+            <a:ext cx="971342" cy="933600"/>
+          </a:xfrm>
+          <a:prstGeom prst="rect">
+            <a:avLst/>
+          </a:prstGeom>
+          <a:noFill/>
+          <a:ln>
+            <a:noFill/>
+          </a:ln>
+        </p:spPr>
+      </p:pic>
     </p:spTree>
   </p:cSld>
   <p:clrMapOvr>
@@ -9059,7 +9248,7 @@
   <p:cSld>
     <p:spTree>
       <p:nvGrpSpPr>
-        <p:cNvPr id="157" name="Shape 157"/>
+        <p:cNvPr id="172" name="Shape 172"/>
         <p:cNvGrpSpPr/>
         <p:nvPr/>
       </p:nvGrpSpPr>
@@ -9073,7 +9262,7 @@
       </p:grpSpPr>
       <p:sp>
         <p:nvSpPr>
-          <p:cNvPr id="158" name="Google Shape;158;p28"/>
+          <p:cNvPr id="173" name="Google Shape;173;p28"/>
           <p:cNvSpPr txBox="1"/>
           <p:nvPr>
             <p:ph type="title"/>
@@ -9113,7 +9302,7 @@
       </p:sp>
       <p:sp>
         <p:nvSpPr>
-          <p:cNvPr id="159" name="Google Shape;159;p28"/>
+          <p:cNvPr id="174" name="Google Shape;174;p28"/>
           <p:cNvSpPr txBox="1"/>
           <p:nvPr>
             <p:ph idx="1" type="body"/>
@@ -9150,6 +9339,33 @@
           </a:p>
         </p:txBody>
       </p:sp>
+      <p:pic>
+        <p:nvPicPr>
+          <p:cNvPr id="175" name="Google Shape;175;p28"/>
+          <p:cNvPicPr preferRelativeResize="0"/>
+          <p:nvPr/>
+        </p:nvPicPr>
+        <p:blipFill rotWithShape="1">
+          <a:blip r:embed="rId3">
+            <a:alphaModFix/>
+          </a:blip>
+          <a:srcRect b="0" l="0" r="0" t="3883"/>
+          <a:stretch/>
+        </p:blipFill>
+        <p:spPr>
+          <a:xfrm>
+            <a:off x="8080250" y="45850"/>
+            <a:ext cx="971342" cy="933600"/>
+          </a:xfrm>
+          <a:prstGeom prst="rect">
+            <a:avLst/>
+          </a:prstGeom>
+          <a:noFill/>
+          <a:ln>
+            <a:noFill/>
+          </a:ln>
+        </p:spPr>
+      </p:pic>
     </p:spTree>
   </p:cSld>
   <p:clrMapOvr>
@@ -9163,7 +9379,7 @@
   <p:cSld>
     <p:spTree>
       <p:nvGrpSpPr>
-        <p:cNvPr id="163" name="Shape 163"/>
+        <p:cNvPr id="179" name="Shape 179"/>
         <p:cNvGrpSpPr/>
         <p:nvPr/>
       </p:nvGrpSpPr>
@@ -9177,7 +9393,7 @@
       </p:grpSpPr>
       <p:sp>
         <p:nvSpPr>
-          <p:cNvPr id="164" name="Google Shape;164;p29"/>
+          <p:cNvPr id="180" name="Google Shape;180;p29"/>
           <p:cNvSpPr txBox="1"/>
           <p:nvPr>
             <p:ph type="title"/>
@@ -9233,7 +9449,7 @@
       </p:sp>
       <p:sp>
         <p:nvSpPr>
-          <p:cNvPr id="165" name="Google Shape;165;p29"/>
+          <p:cNvPr id="181" name="Google Shape;181;p29"/>
           <p:cNvSpPr txBox="1"/>
           <p:nvPr>
             <p:ph idx="1" type="body"/>
@@ -9302,6 +9518,33 @@
           </a:p>
         </p:txBody>
       </p:sp>
+      <p:pic>
+        <p:nvPicPr>
+          <p:cNvPr id="182" name="Google Shape;182;p29"/>
+          <p:cNvPicPr preferRelativeResize="0"/>
+          <p:nvPr/>
+        </p:nvPicPr>
+        <p:blipFill rotWithShape="1">
+          <a:blip r:embed="rId3">
+            <a:alphaModFix/>
+          </a:blip>
+          <a:srcRect b="0" l="0" r="0" t="3883"/>
+          <a:stretch/>
+        </p:blipFill>
+        <p:spPr>
+          <a:xfrm>
+            <a:off x="8080250" y="45850"/>
+            <a:ext cx="971342" cy="933600"/>
+          </a:xfrm>
+          <a:prstGeom prst="rect">
+            <a:avLst/>
+          </a:prstGeom>
+          <a:noFill/>
+          <a:ln>
+            <a:noFill/>
+          </a:ln>
+        </p:spPr>
+      </p:pic>
     </p:spTree>
   </p:cSld>
   <p:clrMapOvr>
@@ -9315,7 +9558,7 @@
   <p:cSld>
     <p:spTree>
       <p:nvGrpSpPr>
-        <p:cNvPr id="72" name="Shape 72"/>
+        <p:cNvPr id="73" name="Shape 73"/>
         <p:cNvGrpSpPr/>
         <p:nvPr/>
       </p:nvGrpSpPr>
@@ -9329,7 +9572,7 @@
       </p:grpSpPr>
       <p:sp>
         <p:nvSpPr>
-          <p:cNvPr id="73" name="Google Shape;73;p14"/>
+          <p:cNvPr id="74" name="Google Shape;74;p14"/>
           <p:cNvSpPr txBox="1"/>
           <p:nvPr>
             <p:ph type="title"/>
@@ -9369,7 +9612,7 @@
       </p:sp>
       <p:sp>
         <p:nvSpPr>
-          <p:cNvPr id="74" name="Google Shape;74;p14"/>
+          <p:cNvPr id="75" name="Google Shape;75;p14"/>
           <p:cNvSpPr txBox="1"/>
           <p:nvPr>
             <p:ph idx="1" type="body"/>
@@ -9463,6 +9706,33 @@
           </a:p>
         </p:txBody>
       </p:sp>
+      <p:pic>
+        <p:nvPicPr>
+          <p:cNvPr id="76" name="Google Shape;76;p14"/>
+          <p:cNvPicPr preferRelativeResize="0"/>
+          <p:nvPr/>
+        </p:nvPicPr>
+        <p:blipFill rotWithShape="1">
+          <a:blip r:embed="rId3">
+            <a:alphaModFix/>
+          </a:blip>
+          <a:srcRect b="0" l="0" r="0" t="3883"/>
+          <a:stretch/>
+        </p:blipFill>
+        <p:spPr>
+          <a:xfrm>
+            <a:off x="8080250" y="45850"/>
+            <a:ext cx="971342" cy="933600"/>
+          </a:xfrm>
+          <a:prstGeom prst="rect">
+            <a:avLst/>
+          </a:prstGeom>
+          <a:noFill/>
+          <a:ln>
+            <a:noFill/>
+          </a:ln>
+        </p:spPr>
+      </p:pic>
     </p:spTree>
   </p:cSld>
   <p:clrMapOvr>
@@ -9476,7 +9746,7 @@
   <p:cSld>
     <p:spTree>
       <p:nvGrpSpPr>
-        <p:cNvPr id="78" name="Shape 78"/>
+        <p:cNvPr id="80" name="Shape 80"/>
         <p:cNvGrpSpPr/>
         <p:nvPr/>
       </p:nvGrpSpPr>
@@ -9490,7 +9760,7 @@
       </p:grpSpPr>
       <p:sp>
         <p:nvSpPr>
-          <p:cNvPr id="79" name="Google Shape;79;p15"/>
+          <p:cNvPr id="81" name="Google Shape;81;p15"/>
           <p:cNvSpPr txBox="1"/>
           <p:nvPr>
             <p:ph type="title"/>
@@ -9528,6 +9798,33 @@
           </a:p>
         </p:txBody>
       </p:sp>
+      <p:pic>
+        <p:nvPicPr>
+          <p:cNvPr id="82" name="Google Shape;82;p15"/>
+          <p:cNvPicPr preferRelativeResize="0"/>
+          <p:nvPr/>
+        </p:nvPicPr>
+        <p:blipFill rotWithShape="1">
+          <a:blip r:embed="rId3">
+            <a:alphaModFix/>
+          </a:blip>
+          <a:srcRect b="0" l="0" r="0" t="3883"/>
+          <a:stretch/>
+        </p:blipFill>
+        <p:spPr>
+          <a:xfrm>
+            <a:off x="8080250" y="45850"/>
+            <a:ext cx="971342" cy="933600"/>
+          </a:xfrm>
+          <a:prstGeom prst="rect">
+            <a:avLst/>
+          </a:prstGeom>
+          <a:noFill/>
+          <a:ln>
+            <a:noFill/>
+          </a:ln>
+        </p:spPr>
+      </p:pic>
     </p:spTree>
   </p:cSld>
   <p:clrMapOvr>
@@ -9541,7 +9838,7 @@
   <p:cSld>
     <p:spTree>
       <p:nvGrpSpPr>
-        <p:cNvPr id="83" name="Shape 83"/>
+        <p:cNvPr id="86" name="Shape 86"/>
         <p:cNvGrpSpPr/>
         <p:nvPr/>
       </p:nvGrpSpPr>
@@ -9555,7 +9852,7 @@
       </p:grpSpPr>
       <p:sp>
         <p:nvSpPr>
-          <p:cNvPr id="84" name="Google Shape;84;p16"/>
+          <p:cNvPr id="87" name="Google Shape;87;p16"/>
           <p:cNvSpPr txBox="1"/>
           <p:nvPr>
             <p:ph type="title"/>
@@ -9595,7 +9892,7 @@
       </p:sp>
       <p:sp>
         <p:nvSpPr>
-          <p:cNvPr id="85" name="Google Shape;85;p16"/>
+          <p:cNvPr id="88" name="Google Shape;88;p16"/>
           <p:cNvSpPr txBox="1"/>
           <p:nvPr>
             <p:ph idx="1" type="body"/>
@@ -9658,7 +9955,7 @@
       </p:sp>
       <p:sp>
         <p:nvSpPr>
-          <p:cNvPr id="86" name="Google Shape;86;p16"/>
+          <p:cNvPr id="89" name="Google Shape;89;p16"/>
           <p:cNvSpPr txBox="1"/>
           <p:nvPr>
             <p:ph idx="2" type="body"/>
@@ -9711,6 +10008,33 @@
           </a:p>
         </p:txBody>
       </p:sp>
+      <p:pic>
+        <p:nvPicPr>
+          <p:cNvPr id="90" name="Google Shape;90;p16"/>
+          <p:cNvPicPr preferRelativeResize="0"/>
+          <p:nvPr/>
+        </p:nvPicPr>
+        <p:blipFill rotWithShape="1">
+          <a:blip r:embed="rId3">
+            <a:alphaModFix/>
+          </a:blip>
+          <a:srcRect b="0" l="0" r="0" t="3883"/>
+          <a:stretch/>
+        </p:blipFill>
+        <p:spPr>
+          <a:xfrm>
+            <a:off x="8080250" y="45850"/>
+            <a:ext cx="971342" cy="933600"/>
+          </a:xfrm>
+          <a:prstGeom prst="rect">
+            <a:avLst/>
+          </a:prstGeom>
+          <a:noFill/>
+          <a:ln>
+            <a:noFill/>
+          </a:ln>
+        </p:spPr>
+      </p:pic>
     </p:spTree>
   </p:cSld>
   <p:clrMapOvr>
@@ -9724,7 +10048,7 @@
   <p:cSld>
     <p:spTree>
       <p:nvGrpSpPr>
-        <p:cNvPr id="90" name="Shape 90"/>
+        <p:cNvPr id="94" name="Shape 94"/>
         <p:cNvGrpSpPr/>
         <p:nvPr/>
       </p:nvGrpSpPr>
@@ -9738,7 +10062,7 @@
       </p:grpSpPr>
       <p:sp>
         <p:nvSpPr>
-          <p:cNvPr id="91" name="Google Shape;91;p17"/>
+          <p:cNvPr id="95" name="Google Shape;95;p17"/>
           <p:cNvSpPr txBox="1"/>
           <p:nvPr>
             <p:ph type="title"/>
@@ -9778,7 +10102,7 @@
       </p:sp>
       <p:sp>
         <p:nvSpPr>
-          <p:cNvPr id="92" name="Google Shape;92;p17"/>
+          <p:cNvPr id="96" name="Google Shape;96;p17"/>
           <p:cNvSpPr txBox="1"/>
           <p:nvPr>
             <p:ph idx="1" type="body"/>
@@ -9824,6 +10148,33 @@
           </a:p>
         </p:txBody>
       </p:sp>
+      <p:pic>
+        <p:nvPicPr>
+          <p:cNvPr id="97" name="Google Shape;97;p17"/>
+          <p:cNvPicPr preferRelativeResize="0"/>
+          <p:nvPr/>
+        </p:nvPicPr>
+        <p:blipFill rotWithShape="1">
+          <a:blip r:embed="rId3">
+            <a:alphaModFix/>
+          </a:blip>
+          <a:srcRect b="0" l="0" r="0" t="3883"/>
+          <a:stretch/>
+        </p:blipFill>
+        <p:spPr>
+          <a:xfrm>
+            <a:off x="8080250" y="45850"/>
+            <a:ext cx="971342" cy="933600"/>
+          </a:xfrm>
+          <a:prstGeom prst="rect">
+            <a:avLst/>
+          </a:prstGeom>
+          <a:noFill/>
+          <a:ln>
+            <a:noFill/>
+          </a:ln>
+        </p:spPr>
+      </p:pic>
     </p:spTree>
   </p:cSld>
   <p:clrMapOvr>
@@ -9837,7 +10188,7 @@
   <p:cSld>
     <p:spTree>
       <p:nvGrpSpPr>
-        <p:cNvPr id="96" name="Shape 96"/>
+        <p:cNvPr id="101" name="Shape 101"/>
         <p:cNvGrpSpPr/>
         <p:nvPr/>
       </p:nvGrpSpPr>
@@ -9851,7 +10202,7 @@
       </p:grpSpPr>
       <p:sp>
         <p:nvSpPr>
-          <p:cNvPr id="97" name="Google Shape;97;p18"/>
+          <p:cNvPr id="102" name="Google Shape;102;p18"/>
           <p:cNvSpPr txBox="1"/>
           <p:nvPr>
             <p:ph type="title"/>
@@ -9891,7 +10242,7 @@
       </p:sp>
       <p:sp>
         <p:nvSpPr>
-          <p:cNvPr id="98" name="Google Shape;98;p18"/>
+          <p:cNvPr id="103" name="Google Shape;103;p18"/>
           <p:cNvSpPr txBox="1"/>
           <p:nvPr>
             <p:ph idx="1" type="body"/>
@@ -9929,6 +10280,33 @@
           </a:p>
         </p:txBody>
       </p:sp>
+      <p:pic>
+        <p:nvPicPr>
+          <p:cNvPr id="104" name="Google Shape;104;p18"/>
+          <p:cNvPicPr preferRelativeResize="0"/>
+          <p:nvPr/>
+        </p:nvPicPr>
+        <p:blipFill rotWithShape="1">
+          <a:blip r:embed="rId3">
+            <a:alphaModFix/>
+          </a:blip>
+          <a:srcRect b="0" l="0" r="0" t="3883"/>
+          <a:stretch/>
+        </p:blipFill>
+        <p:spPr>
+          <a:xfrm>
+            <a:off x="8080250" y="45850"/>
+            <a:ext cx="971342" cy="933600"/>
+          </a:xfrm>
+          <a:prstGeom prst="rect">
+            <a:avLst/>
+          </a:prstGeom>
+          <a:noFill/>
+          <a:ln>
+            <a:noFill/>
+          </a:ln>
+        </p:spPr>
+      </p:pic>
     </p:spTree>
   </p:cSld>
   <p:clrMapOvr>
@@ -9938,115 +10316,6 @@
 </file>
 
 <file path=ppt/slides/slide7.xml><?xml version="1.0" encoding="utf-8"?>
-<p:sld xmlns:a="http://schemas.openxmlformats.org/drawingml/2006/main" xmlns:r="http://schemas.openxmlformats.org/officeDocument/2006/relationships" xmlns:mc="http://schemas.openxmlformats.org/markup-compatibility/2006" xmlns:mv="urn:schemas-microsoft-com:mac:vml" xmlns:p="http://schemas.openxmlformats.org/presentationml/2006/main" xmlns:c="http://schemas.openxmlformats.org/drawingml/2006/chart" xmlns:dgm="http://schemas.openxmlformats.org/drawingml/2006/diagram" xmlns:o="urn:schemas-microsoft-com:office:office" xmlns:v="urn:schemas-microsoft-com:vml" xmlns:pvml="urn:schemas-microsoft-com:office:powerpoint" xmlns:com="http://schemas.openxmlformats.org/drawingml/2006/compatibility" xmlns:p14="http://schemas.microsoft.com/office/powerpoint/2010/main" xmlns:p15="http://schemas.microsoft.com/office/powerpoint/2012/main">
-  <p:cSld>
-    <p:spTree>
-      <p:nvGrpSpPr>
-        <p:cNvPr id="102" name="Shape 102"/>
-        <p:cNvGrpSpPr/>
-        <p:nvPr/>
-      </p:nvGrpSpPr>
-      <p:grpSpPr>
-        <a:xfrm>
-          <a:off x="0" y="0"/>
-          <a:ext cx="0" cy="0"/>
-          <a:chOff x="0" y="0"/>
-          <a:chExt cx="0" cy="0"/>
-        </a:xfrm>
-      </p:grpSpPr>
-      <p:sp>
-        <p:nvSpPr>
-          <p:cNvPr id="103" name="Google Shape;103;p19"/>
-          <p:cNvSpPr txBox="1"/>
-          <p:nvPr>
-            <p:ph type="title"/>
-          </p:nvPr>
-        </p:nvSpPr>
-        <p:spPr>
-          <a:xfrm>
-            <a:off x="471900" y="738725"/>
-            <a:ext cx="8222100" cy="767700"/>
-          </a:xfrm>
-          <a:prstGeom prst="rect">
-            <a:avLst/>
-          </a:prstGeom>
-        </p:spPr>
-        <p:txBody>
-          <a:bodyPr anchorCtr="0" anchor="b" bIns="91425" lIns="91425" spcFirstLastPara="1" rIns="91425" wrap="square" tIns="91425">
-            <a:noAutofit/>
-          </a:bodyPr>
-          <a:lstStyle/>
-          <a:p>
-            <a:pPr indent="0" lvl="0" marL="0" rtl="0" algn="l">
-              <a:spcBef>
-                <a:spcPts val="0"/>
-              </a:spcBef>
-              <a:spcAft>
-                <a:spcPts val="0"/>
-              </a:spcAft>
-              <a:buNone/>
-            </a:pPr>
-            <a:r>
-              <a:rPr lang="en"/>
-              <a:t>Topic Model 1 Qualitative Observations</a:t>
-            </a:r>
-            <a:endParaRPr/>
-          </a:p>
-        </p:txBody>
-      </p:sp>
-      <p:sp>
-        <p:nvSpPr>
-          <p:cNvPr id="104" name="Google Shape;104;p19"/>
-          <p:cNvSpPr txBox="1"/>
-          <p:nvPr>
-            <p:ph idx="1" type="body"/>
-          </p:nvPr>
-        </p:nvSpPr>
-        <p:spPr>
-          <a:xfrm>
-            <a:off x="471900" y="1919075"/>
-            <a:ext cx="8222100" cy="2710200"/>
-          </a:xfrm>
-          <a:prstGeom prst="rect">
-            <a:avLst/>
-          </a:prstGeom>
-        </p:spPr>
-        <p:txBody>
-          <a:bodyPr anchorCtr="0" anchor="t" bIns="91425" lIns="91425" spcFirstLastPara="1" rIns="91425" wrap="square" tIns="91425">
-            <a:noAutofit/>
-          </a:bodyPr>
-          <a:lstStyle/>
-          <a:p>
-            <a:pPr indent="0" lvl="0" marL="0" rtl="0" algn="l">
-              <a:spcBef>
-                <a:spcPts val="0"/>
-              </a:spcBef>
-              <a:spcAft>
-                <a:spcPts val="1600"/>
-              </a:spcAft>
-              <a:buNone/>
-            </a:pPr>
-            <a:r>
-              <a:rPr lang="en"/>
-              <a:t>Add your observations of your first topic model. </a:t>
-            </a:r>
-            <a:r>
-              <a:rPr lang="en"/>
-              <a:t>You can include a screenshot the terms table or interactive visualization, paste the table values into the slides, or however you want to present your observations.</a:t>
-            </a:r>
-            <a:endParaRPr/>
-          </a:p>
-        </p:txBody>
-      </p:sp>
-    </p:spTree>
-  </p:cSld>
-  <p:clrMapOvr>
-    <a:masterClrMapping/>
-  </p:clrMapOvr>
-</p:sld>
-</file>
-
-<file path=ppt/slides/slide8.xml><?xml version="1.0" encoding="utf-8"?>
 <p:sld xmlns:a="http://schemas.openxmlformats.org/drawingml/2006/main" xmlns:r="http://schemas.openxmlformats.org/officeDocument/2006/relationships" xmlns:mc="http://schemas.openxmlformats.org/markup-compatibility/2006" xmlns:mv="urn:schemas-microsoft-com:mac:vml" xmlns:p="http://schemas.openxmlformats.org/presentationml/2006/main" xmlns:c="http://schemas.openxmlformats.org/drawingml/2006/chart" xmlns:dgm="http://schemas.openxmlformats.org/drawingml/2006/diagram" xmlns:o="urn:schemas-microsoft-com:office:office" xmlns:v="urn:schemas-microsoft-com:vml" xmlns:pvml="urn:schemas-microsoft-com:office:powerpoint" xmlns:com="http://schemas.openxmlformats.org/drawingml/2006/compatibility" xmlns:p14="http://schemas.microsoft.com/office/powerpoint/2010/main" xmlns:p15="http://schemas.microsoft.com/office/powerpoint/2012/main">
   <p:cSld>
     <p:spTree>
@@ -10065,7 +10334,143 @@
       </p:grpSpPr>
       <p:sp>
         <p:nvSpPr>
-          <p:cNvPr id="109" name="Google Shape;109;p20"/>
+          <p:cNvPr id="109" name="Google Shape;109;p19"/>
+          <p:cNvSpPr txBox="1"/>
+          <p:nvPr>
+            <p:ph type="title"/>
+          </p:nvPr>
+        </p:nvSpPr>
+        <p:spPr>
+          <a:xfrm>
+            <a:off x="471900" y="738725"/>
+            <a:ext cx="8222100" cy="767700"/>
+          </a:xfrm>
+          <a:prstGeom prst="rect">
+            <a:avLst/>
+          </a:prstGeom>
+        </p:spPr>
+        <p:txBody>
+          <a:bodyPr anchorCtr="0" anchor="b" bIns="91425" lIns="91425" spcFirstLastPara="1" rIns="91425" wrap="square" tIns="91425">
+            <a:noAutofit/>
+          </a:bodyPr>
+          <a:lstStyle/>
+          <a:p>
+            <a:pPr indent="0" lvl="0" marL="0" rtl="0" algn="l">
+              <a:spcBef>
+                <a:spcPts val="0"/>
+              </a:spcBef>
+              <a:spcAft>
+                <a:spcPts val="0"/>
+              </a:spcAft>
+              <a:buNone/>
+            </a:pPr>
+            <a:r>
+              <a:rPr lang="en"/>
+              <a:t>Topic Model 1 Qualitative Observations</a:t>
+            </a:r>
+            <a:endParaRPr/>
+          </a:p>
+        </p:txBody>
+      </p:sp>
+      <p:sp>
+        <p:nvSpPr>
+          <p:cNvPr id="110" name="Google Shape;110;p19"/>
+          <p:cNvSpPr txBox="1"/>
+          <p:nvPr>
+            <p:ph idx="1" type="body"/>
+          </p:nvPr>
+        </p:nvSpPr>
+        <p:spPr>
+          <a:xfrm>
+            <a:off x="471900" y="1919075"/>
+            <a:ext cx="8222100" cy="2710200"/>
+          </a:xfrm>
+          <a:prstGeom prst="rect">
+            <a:avLst/>
+          </a:prstGeom>
+        </p:spPr>
+        <p:txBody>
+          <a:bodyPr anchorCtr="0" anchor="t" bIns="91425" lIns="91425" spcFirstLastPara="1" rIns="91425" wrap="square" tIns="91425">
+            <a:noAutofit/>
+          </a:bodyPr>
+          <a:lstStyle/>
+          <a:p>
+            <a:pPr indent="0" lvl="0" marL="0" rtl="0" algn="l">
+              <a:spcBef>
+                <a:spcPts val="0"/>
+              </a:spcBef>
+              <a:spcAft>
+                <a:spcPts val="1600"/>
+              </a:spcAft>
+              <a:buNone/>
+            </a:pPr>
+            <a:r>
+              <a:rPr lang="en"/>
+              <a:t>Add your observations of your first topic model. </a:t>
+            </a:r>
+            <a:r>
+              <a:rPr lang="en"/>
+              <a:t>You can include a screenshot the terms table or interactive visualization, paste the table values into the slides, or however you want to present your observations.</a:t>
+            </a:r>
+            <a:endParaRPr/>
+          </a:p>
+        </p:txBody>
+      </p:sp>
+      <p:pic>
+        <p:nvPicPr>
+          <p:cNvPr id="111" name="Google Shape;111;p19"/>
+          <p:cNvPicPr preferRelativeResize="0"/>
+          <p:nvPr/>
+        </p:nvPicPr>
+        <p:blipFill rotWithShape="1">
+          <a:blip r:embed="rId3">
+            <a:alphaModFix/>
+          </a:blip>
+          <a:srcRect b="0" l="0" r="0" t="3883"/>
+          <a:stretch/>
+        </p:blipFill>
+        <p:spPr>
+          <a:xfrm>
+            <a:off x="8080250" y="45850"/>
+            <a:ext cx="971342" cy="933600"/>
+          </a:xfrm>
+          <a:prstGeom prst="rect">
+            <a:avLst/>
+          </a:prstGeom>
+          <a:noFill/>
+          <a:ln>
+            <a:noFill/>
+          </a:ln>
+        </p:spPr>
+      </p:pic>
+    </p:spTree>
+  </p:cSld>
+  <p:clrMapOvr>
+    <a:masterClrMapping/>
+  </p:clrMapOvr>
+</p:sld>
+</file>
+
+<file path=ppt/slides/slide8.xml><?xml version="1.0" encoding="utf-8"?>
+<p:sld xmlns:a="http://schemas.openxmlformats.org/drawingml/2006/main" xmlns:r="http://schemas.openxmlformats.org/officeDocument/2006/relationships" xmlns:mc="http://schemas.openxmlformats.org/markup-compatibility/2006" xmlns:mv="urn:schemas-microsoft-com:mac:vml" xmlns:p="http://schemas.openxmlformats.org/presentationml/2006/main" xmlns:c="http://schemas.openxmlformats.org/drawingml/2006/chart" xmlns:dgm="http://schemas.openxmlformats.org/drawingml/2006/diagram" xmlns:o="urn:schemas-microsoft-com:office:office" xmlns:v="urn:schemas-microsoft-com:vml" xmlns:pvml="urn:schemas-microsoft-com:office:powerpoint" xmlns:com="http://schemas.openxmlformats.org/drawingml/2006/compatibility" xmlns:p14="http://schemas.microsoft.com/office/powerpoint/2010/main" xmlns:p15="http://schemas.microsoft.com/office/powerpoint/2012/main">
+  <p:cSld>
+    <p:spTree>
+      <p:nvGrpSpPr>
+        <p:cNvPr id="115" name="Shape 115"/>
+        <p:cNvGrpSpPr/>
+        <p:nvPr/>
+      </p:nvGrpSpPr>
+      <p:grpSpPr>
+        <a:xfrm>
+          <a:off x="0" y="0"/>
+          <a:ext cx="0" cy="0"/>
+          <a:chOff x="0" y="0"/>
+          <a:chExt cx="0" cy="0"/>
+        </a:xfrm>
+      </p:grpSpPr>
+      <p:sp>
+        <p:nvSpPr>
+          <p:cNvPr id="116" name="Google Shape;116;p20"/>
           <p:cNvSpPr txBox="1"/>
           <p:nvPr>
             <p:ph type="title"/>
@@ -10105,7 +10510,7 @@
       </p:sp>
       <p:sp>
         <p:nvSpPr>
-          <p:cNvPr id="110" name="Google Shape;110;p20"/>
+          <p:cNvPr id="117" name="Google Shape;117;p20"/>
           <p:cNvSpPr txBox="1"/>
           <p:nvPr>
             <p:ph idx="1" type="body"/>
@@ -10143,6 +10548,33 @@
           </a:p>
         </p:txBody>
       </p:sp>
+      <p:pic>
+        <p:nvPicPr>
+          <p:cNvPr id="118" name="Google Shape;118;p20"/>
+          <p:cNvPicPr preferRelativeResize="0"/>
+          <p:nvPr/>
+        </p:nvPicPr>
+        <p:blipFill rotWithShape="1">
+          <a:blip r:embed="rId3">
+            <a:alphaModFix/>
+          </a:blip>
+          <a:srcRect b="0" l="0" r="0" t="3883"/>
+          <a:stretch/>
+        </p:blipFill>
+        <p:spPr>
+          <a:xfrm>
+            <a:off x="8080250" y="45850"/>
+            <a:ext cx="971342" cy="933600"/>
+          </a:xfrm>
+          <a:prstGeom prst="rect">
+            <a:avLst/>
+          </a:prstGeom>
+          <a:noFill/>
+          <a:ln>
+            <a:noFill/>
+          </a:ln>
+        </p:spPr>
+      </p:pic>
     </p:spTree>
   </p:cSld>
   <p:clrMapOvr>
@@ -10156,7 +10588,7 @@
   <p:cSld>
     <p:spTree>
       <p:nvGrpSpPr>
-        <p:cNvPr id="114" name="Shape 114"/>
+        <p:cNvPr id="122" name="Shape 122"/>
         <p:cNvGrpSpPr/>
         <p:nvPr/>
       </p:nvGrpSpPr>
@@ -10170,7 +10602,7 @@
       </p:grpSpPr>
       <p:sp>
         <p:nvSpPr>
-          <p:cNvPr id="115" name="Google Shape;115;p21"/>
+          <p:cNvPr id="123" name="Google Shape;123;p21"/>
           <p:cNvSpPr txBox="1"/>
           <p:nvPr>
             <p:ph type="title"/>
@@ -10210,7 +10642,7 @@
       </p:sp>
       <p:sp>
         <p:nvSpPr>
-          <p:cNvPr id="116" name="Google Shape;116;p21"/>
+          <p:cNvPr id="124" name="Google Shape;124;p21"/>
           <p:cNvSpPr txBox="1"/>
           <p:nvPr>
             <p:ph idx="1" type="body"/>
@@ -10273,7 +10705,7 @@
       </p:sp>
       <p:sp>
         <p:nvSpPr>
-          <p:cNvPr id="117" name="Google Shape;117;p21"/>
+          <p:cNvPr id="125" name="Google Shape;125;p21"/>
           <p:cNvSpPr txBox="1"/>
           <p:nvPr>
             <p:ph idx="2" type="body"/>
@@ -10326,6 +10758,33 @@
           </a:p>
         </p:txBody>
       </p:sp>
+      <p:pic>
+        <p:nvPicPr>
+          <p:cNvPr id="126" name="Google Shape;126;p21"/>
+          <p:cNvPicPr preferRelativeResize="0"/>
+          <p:nvPr/>
+        </p:nvPicPr>
+        <p:blipFill rotWithShape="1">
+          <a:blip r:embed="rId3">
+            <a:alphaModFix/>
+          </a:blip>
+          <a:srcRect b="0" l="0" r="0" t="3883"/>
+          <a:stretch/>
+        </p:blipFill>
+        <p:spPr>
+          <a:xfrm>
+            <a:off x="8080250" y="45850"/>
+            <a:ext cx="971342" cy="933600"/>
+          </a:xfrm>
+          <a:prstGeom prst="rect">
+            <a:avLst/>
+          </a:prstGeom>
+          <a:noFill/>
+          <a:ln>
+            <a:noFill/>
+          </a:ln>
+        </p:spPr>
+      </p:pic>
     </p:spTree>
   </p:cSld>
   <p:clrMapOvr>
@@ -10335,6 +10794,285 @@
 </file>
 
 <file path=ppt/theme/theme1.xml><?xml version="1.0" encoding="utf-8"?>
+<a:theme xmlns:a="http://schemas.openxmlformats.org/drawingml/2006/main" xmlns:r="http://schemas.openxmlformats.org/officeDocument/2006/relationships" name="Material">
+  <a:themeElements>
+    <a:clrScheme name="Material">
+      <a:dk1>
+        <a:srgbClr val="4285F4"/>
+      </a:dk1>
+      <a:lt1>
+        <a:srgbClr val="FFFFFF"/>
+      </a:lt1>
+      <a:dk2>
+        <a:srgbClr val="424242"/>
+      </a:dk2>
+      <a:lt2>
+        <a:srgbClr val="737373"/>
+      </a:lt2>
+      <a:accent1>
+        <a:srgbClr val="0277BD"/>
+      </a:accent1>
+      <a:accent2>
+        <a:srgbClr val="0F9D58"/>
+      </a:accent2>
+      <a:accent3>
+        <a:srgbClr val="DB4437"/>
+      </a:accent3>
+      <a:accent4>
+        <a:srgbClr val="FAFAFA"/>
+      </a:accent4>
+      <a:accent5>
+        <a:srgbClr val="4FC3F7"/>
+      </a:accent5>
+      <a:accent6>
+        <a:srgbClr val="F4B400"/>
+      </a:accent6>
+      <a:hlink>
+        <a:srgbClr val="4FC3F7"/>
+      </a:hlink>
+      <a:folHlink>
+        <a:srgbClr val="4FC3F7"/>
+      </a:folHlink>
+    </a:clrScheme>
+    <a:fontScheme name="Office">
+      <a:majorFont>
+        <a:latin typeface="Arial"/>
+        <a:ea typeface=""/>
+        <a:cs typeface=""/>
+        <a:font script="Jpan" typeface="ＭＳ Ｐゴシック"/>
+        <a:font script="Hang" typeface="맑은 고딕"/>
+        <a:font script="Hans" typeface="宋体"/>
+        <a:font script="Hant" typeface="新細明體"/>
+        <a:font script="Arab" typeface="Times New Roman"/>
+        <a:font script="Hebr" typeface="Times New Roman"/>
+        <a:font script="Thai" typeface="Angsana New"/>
+        <a:font script="Ethi" typeface="Nyala"/>
+        <a:font script="Beng" typeface="Vrinda"/>
+        <a:font script="Gujr" typeface="Shruti"/>
+        <a:font script="Khmr" typeface="MoolBoran"/>
+        <a:font script="Knda" typeface="Tunga"/>
+        <a:font script="Guru" typeface="Raavi"/>
+        <a:font script="Cans" typeface="Euphemia"/>
+        <a:font script="Cher" typeface="Plantagenet Cherokee"/>
+        <a:font script="Yiii" typeface="Microsoft Yi Baiti"/>
+        <a:font script="Tibt" typeface="Microsoft Himalaya"/>
+        <a:font script="Thaa" typeface="MV Boli"/>
+        <a:font script="Deva" typeface="Mangal"/>
+        <a:font script="Telu" typeface="Gautami"/>
+        <a:font script="Taml" typeface="Latha"/>
+        <a:font script="Syrc" typeface="Estrangelo Edessa"/>
+        <a:font script="Orya" typeface="Kalinga"/>
+        <a:font script="Mlym" typeface="Kartika"/>
+        <a:font script="Laoo" typeface="DokChampa"/>
+        <a:font script="Sinh" typeface="Iskoola Pota"/>
+        <a:font script="Mong" typeface="Mongolian Baiti"/>
+        <a:font script="Viet" typeface="Times New Roman"/>
+        <a:font script="Uigh" typeface="Microsoft Uighur"/>
+        <a:font script="Geor" typeface="Sylfaen"/>
+      </a:majorFont>
+      <a:minorFont>
+        <a:latin typeface="Arial"/>
+        <a:ea typeface=""/>
+        <a:cs typeface=""/>
+        <a:font script="Jpan" typeface="ＭＳ Ｐゴシック"/>
+        <a:font script="Hang" typeface="맑은 고딕"/>
+        <a:font script="Hans" typeface="宋体"/>
+        <a:font script="Hant" typeface="新細明體"/>
+        <a:font script="Arab" typeface="Arial"/>
+        <a:font script="Hebr" typeface="Arial"/>
+        <a:font script="Thai" typeface="Cordia New"/>
+        <a:font script="Ethi" typeface="Nyala"/>
+        <a:font script="Beng" typeface="Vrinda"/>
+        <a:font script="Gujr" typeface="Shruti"/>
+        <a:font script="Khmr" typeface="DaunPenh"/>
+        <a:font script="Knda" typeface="Tunga"/>
+        <a:font script="Guru" typeface="Raavi"/>
+        <a:font script="Cans" typeface="Euphemia"/>
+        <a:font script="Cher" typeface="Plantagenet Cherokee"/>
+        <a:font script="Yiii" typeface="Microsoft Yi Baiti"/>
+        <a:font script="Tibt" typeface="Microsoft Himalaya"/>
+        <a:font script="Thaa" typeface="MV Boli"/>
+        <a:font script="Deva" typeface="Mangal"/>
+        <a:font script="Telu" typeface="Gautami"/>
+        <a:font script="Taml" typeface="Latha"/>
+        <a:font script="Syrc" typeface="Estrangelo Edessa"/>
+        <a:font script="Orya" typeface="Kalinga"/>
+        <a:font script="Mlym" typeface="Kartika"/>
+        <a:font script="Laoo" typeface="DokChampa"/>
+        <a:font script="Sinh" typeface="Iskoola Pota"/>
+        <a:font script="Mong" typeface="Mongolian Baiti"/>
+        <a:font script="Viet" typeface="Arial"/>
+        <a:font script="Uigh" typeface="Microsoft Uighur"/>
+        <a:font script="Geor" typeface="Sylfaen"/>
+      </a:minorFont>
+    </a:fontScheme>
+    <a:fmtScheme name="Office">
+      <a:fillStyleLst>
+        <a:solidFill>
+          <a:schemeClr val="phClr"/>
+        </a:solidFill>
+        <a:gradFill rotWithShape="1">
+          <a:gsLst>
+            <a:gs pos="0">
+              <a:schemeClr val="phClr">
+                <a:tint val="50000"/>
+                <a:satMod val="300000"/>
+              </a:schemeClr>
+            </a:gs>
+            <a:gs pos="35000">
+              <a:schemeClr val="phClr">
+                <a:tint val="37000"/>
+                <a:satMod val="300000"/>
+              </a:schemeClr>
+            </a:gs>
+            <a:gs pos="100000">
+              <a:schemeClr val="phClr">
+                <a:tint val="15000"/>
+                <a:satMod val="350000"/>
+              </a:schemeClr>
+            </a:gs>
+          </a:gsLst>
+          <a:lin ang="16200000" scaled="1"/>
+        </a:gradFill>
+        <a:gradFill rotWithShape="1">
+          <a:gsLst>
+            <a:gs pos="0">
+              <a:schemeClr val="phClr">
+                <a:tint val="100000"/>
+                <a:shade val="100000"/>
+                <a:satMod val="130000"/>
+              </a:schemeClr>
+            </a:gs>
+            <a:gs pos="100000">
+              <a:schemeClr val="phClr">
+                <a:tint val="50000"/>
+                <a:shade val="100000"/>
+                <a:satMod val="350000"/>
+              </a:schemeClr>
+            </a:gs>
+          </a:gsLst>
+          <a:lin ang="16200000" scaled="0"/>
+        </a:gradFill>
+      </a:fillStyleLst>
+      <a:lnStyleLst>
+        <a:ln w="9525" cap="flat" cmpd="sng" algn="ctr">
+          <a:solidFill>
+            <a:schemeClr val="phClr">
+              <a:shade val="95000"/>
+              <a:satMod val="105000"/>
+            </a:schemeClr>
+          </a:solidFill>
+          <a:prstDash val="solid"/>
+        </a:ln>
+        <a:ln w="25400" cap="flat" cmpd="sng" algn="ctr">
+          <a:solidFill>
+            <a:schemeClr val="phClr"/>
+          </a:solidFill>
+          <a:prstDash val="solid"/>
+        </a:ln>
+        <a:ln w="38100" cap="flat" cmpd="sng" algn="ctr">
+          <a:solidFill>
+            <a:schemeClr val="phClr"/>
+          </a:solidFill>
+          <a:prstDash val="solid"/>
+        </a:ln>
+      </a:lnStyleLst>
+      <a:effectStyleLst>
+        <a:effectStyle>
+          <a:effectLst>
+            <a:outerShdw blurRad="40000" dist="20000" dir="5400000" rotWithShape="0">
+              <a:srgbClr val="000000">
+                <a:alpha val="38000"/>
+              </a:srgbClr>
+            </a:outerShdw>
+          </a:effectLst>
+        </a:effectStyle>
+        <a:effectStyle>
+          <a:effectLst>
+            <a:outerShdw blurRad="40000" dist="23000" dir="5400000" rotWithShape="0">
+              <a:srgbClr val="000000">
+                <a:alpha val="35000"/>
+              </a:srgbClr>
+            </a:outerShdw>
+          </a:effectLst>
+        </a:effectStyle>
+        <a:effectStyle>
+          <a:effectLst>
+            <a:outerShdw blurRad="40000" dist="23000" dir="5400000" rotWithShape="0">
+              <a:srgbClr val="000000">
+                <a:alpha val="35000"/>
+              </a:srgbClr>
+            </a:outerShdw>
+          </a:effectLst>
+          <a:scene3d>
+            <a:camera prst="orthographicFront">
+              <a:rot lat="0" lon="0" rev="0"/>
+            </a:camera>
+            <a:lightRig rig="threePt" dir="t">
+              <a:rot lat="0" lon="0" rev="1200000"/>
+            </a:lightRig>
+          </a:scene3d>
+          <a:sp3d>
+            <a:bevelT w="63500" h="25400"/>
+          </a:sp3d>
+        </a:effectStyle>
+      </a:effectStyleLst>
+      <a:bgFillStyleLst>
+        <a:solidFill>
+          <a:schemeClr val="phClr"/>
+        </a:solidFill>
+        <a:gradFill rotWithShape="1">
+          <a:gsLst>
+            <a:gs pos="0">
+              <a:schemeClr val="phClr">
+                <a:tint val="40000"/>
+                <a:satMod val="350000"/>
+              </a:schemeClr>
+            </a:gs>
+            <a:gs pos="40000">
+              <a:schemeClr val="phClr">
+                <a:tint val="45000"/>
+                <a:shade val="99000"/>
+                <a:satMod val="350000"/>
+              </a:schemeClr>
+            </a:gs>
+            <a:gs pos="100000">
+              <a:schemeClr val="phClr">
+                <a:shade val="20000"/>
+                <a:satMod val="255000"/>
+              </a:schemeClr>
+            </a:gs>
+          </a:gsLst>
+          <a:path path="circle">
+            <a:fillToRect l="50000" t="-80000" r="50000" b="180000"/>
+          </a:path>
+        </a:gradFill>
+        <a:gradFill rotWithShape="1">
+          <a:gsLst>
+            <a:gs pos="0">
+              <a:schemeClr val="phClr">
+                <a:tint val="80000"/>
+                <a:satMod val="300000"/>
+              </a:schemeClr>
+            </a:gs>
+            <a:gs pos="100000">
+              <a:schemeClr val="phClr">
+                <a:shade val="30000"/>
+                <a:satMod val="200000"/>
+              </a:schemeClr>
+            </a:gs>
+          </a:gsLst>
+          <a:path path="circle">
+            <a:fillToRect l="50000" t="50000" r="50000" b="50000"/>
+          </a:path>
+        </a:gradFill>
+      </a:bgFillStyleLst>
+    </a:fmtScheme>
+  </a:themeElements>
+</a:theme>
+</file>
+
+<file path=ppt/theme/theme2.xml><?xml version="1.0" encoding="utf-8"?>
 <a:theme xmlns:a="http://schemas.openxmlformats.org/drawingml/2006/main" xmlns:r="http://schemas.openxmlformats.org/officeDocument/2006/relationships">
   <a:themeElements>
     <a:clrScheme name="Default">
@@ -10611,283 +11349,4 @@
     </a:fmtScheme>
   </a:themeElements>
 </a:theme>
-</file>
-
-<file path=ppt/theme/theme2.xml><?xml version="1.0" encoding="utf-8"?>
-<a:theme xmlns:a="http://schemas.openxmlformats.org/drawingml/2006/main" xmlns:r="http://schemas.openxmlformats.org/officeDocument/2006/relationships" name="Material">
-  <a:themeElements>
-    <a:clrScheme name="Material">
-      <a:dk1>
-        <a:srgbClr val="4285F4"/>
-      </a:dk1>
-      <a:lt1>
-        <a:srgbClr val="FFFFFF"/>
-      </a:lt1>
-      <a:dk2>
-        <a:srgbClr val="424242"/>
-      </a:dk2>
-      <a:lt2>
-        <a:srgbClr val="737373"/>
-      </a:lt2>
-      <a:accent1>
-        <a:srgbClr val="0277BD"/>
-      </a:accent1>
-      <a:accent2>
-        <a:srgbClr val="0F9D58"/>
-      </a:accent2>
-      <a:accent3>
-        <a:srgbClr val="DB4437"/>
-      </a:accent3>
-      <a:accent4>
-        <a:srgbClr val="FAFAFA"/>
-      </a:accent4>
-      <a:accent5>
-        <a:srgbClr val="4FC3F7"/>
-      </a:accent5>
-      <a:accent6>
-        <a:srgbClr val="F4B400"/>
-      </a:accent6>
-      <a:hlink>
-        <a:srgbClr val="4FC3F7"/>
-      </a:hlink>
-      <a:folHlink>
-        <a:srgbClr val="4FC3F7"/>
-      </a:folHlink>
-    </a:clrScheme>
-    <a:fontScheme name="Office">
-      <a:majorFont>
-        <a:latin typeface="Arial"/>
-        <a:ea typeface=""/>
-        <a:cs typeface=""/>
-        <a:font script="Jpan" typeface="ＭＳ Ｐゴシック"/>
-        <a:font script="Hang" typeface="맑은 고딕"/>
-        <a:font script="Hans" typeface="宋体"/>
-        <a:font script="Hant" typeface="新細明體"/>
-        <a:font script="Arab" typeface="Times New Roman"/>
-        <a:font script="Hebr" typeface="Times New Roman"/>
-        <a:font script="Thai" typeface="Angsana New"/>
-        <a:font script="Ethi" typeface="Nyala"/>
-        <a:font script="Beng" typeface="Vrinda"/>
-        <a:font script="Gujr" typeface="Shruti"/>
-        <a:font script="Khmr" typeface="MoolBoran"/>
-        <a:font script="Knda" typeface="Tunga"/>
-        <a:font script="Guru" typeface="Raavi"/>
-        <a:font script="Cans" typeface="Euphemia"/>
-        <a:font script="Cher" typeface="Plantagenet Cherokee"/>
-        <a:font script="Yiii" typeface="Microsoft Yi Baiti"/>
-        <a:font script="Tibt" typeface="Microsoft Himalaya"/>
-        <a:font script="Thaa" typeface="MV Boli"/>
-        <a:font script="Deva" typeface="Mangal"/>
-        <a:font script="Telu" typeface="Gautami"/>
-        <a:font script="Taml" typeface="Latha"/>
-        <a:font script="Syrc" typeface="Estrangelo Edessa"/>
-        <a:font script="Orya" typeface="Kalinga"/>
-        <a:font script="Mlym" typeface="Kartika"/>
-        <a:font script="Laoo" typeface="DokChampa"/>
-        <a:font script="Sinh" typeface="Iskoola Pota"/>
-        <a:font script="Mong" typeface="Mongolian Baiti"/>
-        <a:font script="Viet" typeface="Times New Roman"/>
-        <a:font script="Uigh" typeface="Microsoft Uighur"/>
-        <a:font script="Geor" typeface="Sylfaen"/>
-      </a:majorFont>
-      <a:minorFont>
-        <a:latin typeface="Arial"/>
-        <a:ea typeface=""/>
-        <a:cs typeface=""/>
-        <a:font script="Jpan" typeface="ＭＳ Ｐゴシック"/>
-        <a:font script="Hang" typeface="맑은 고딕"/>
-        <a:font script="Hans" typeface="宋体"/>
-        <a:font script="Hant" typeface="新細明體"/>
-        <a:font script="Arab" typeface="Arial"/>
-        <a:font script="Hebr" typeface="Arial"/>
-        <a:font script="Thai" typeface="Cordia New"/>
-        <a:font script="Ethi" typeface="Nyala"/>
-        <a:font script="Beng" typeface="Vrinda"/>
-        <a:font script="Gujr" typeface="Shruti"/>
-        <a:font script="Khmr" typeface="DaunPenh"/>
-        <a:font script="Knda" typeface="Tunga"/>
-        <a:font script="Guru" typeface="Raavi"/>
-        <a:font script="Cans" typeface="Euphemia"/>
-        <a:font script="Cher" typeface="Plantagenet Cherokee"/>
-        <a:font script="Yiii" typeface="Microsoft Yi Baiti"/>
-        <a:font script="Tibt" typeface="Microsoft Himalaya"/>
-        <a:font script="Thaa" typeface="MV Boli"/>
-        <a:font script="Deva" typeface="Mangal"/>
-        <a:font script="Telu" typeface="Gautami"/>
-        <a:font script="Taml" typeface="Latha"/>
-        <a:font script="Syrc" typeface="Estrangelo Edessa"/>
-        <a:font script="Orya" typeface="Kalinga"/>
-        <a:font script="Mlym" typeface="Kartika"/>
-        <a:font script="Laoo" typeface="DokChampa"/>
-        <a:font script="Sinh" typeface="Iskoola Pota"/>
-        <a:font script="Mong" typeface="Mongolian Baiti"/>
-        <a:font script="Viet" typeface="Arial"/>
-        <a:font script="Uigh" typeface="Microsoft Uighur"/>
-        <a:font script="Geor" typeface="Sylfaen"/>
-      </a:minorFont>
-    </a:fontScheme>
-    <a:fmtScheme name="Office">
-      <a:fillStyleLst>
-        <a:solidFill>
-          <a:schemeClr val="phClr"/>
-        </a:solidFill>
-        <a:gradFill rotWithShape="1">
-          <a:gsLst>
-            <a:gs pos="0">
-              <a:schemeClr val="phClr">
-                <a:tint val="50000"/>
-                <a:satMod val="300000"/>
-              </a:schemeClr>
-            </a:gs>
-            <a:gs pos="35000">
-              <a:schemeClr val="phClr">
-                <a:tint val="37000"/>
-                <a:satMod val="300000"/>
-              </a:schemeClr>
-            </a:gs>
-            <a:gs pos="100000">
-              <a:schemeClr val="phClr">
-                <a:tint val="15000"/>
-                <a:satMod val="350000"/>
-              </a:schemeClr>
-            </a:gs>
-          </a:gsLst>
-          <a:lin ang="16200000" scaled="1"/>
-        </a:gradFill>
-        <a:gradFill rotWithShape="1">
-          <a:gsLst>
-            <a:gs pos="0">
-              <a:schemeClr val="phClr">
-                <a:tint val="100000"/>
-                <a:shade val="100000"/>
-                <a:satMod val="130000"/>
-              </a:schemeClr>
-            </a:gs>
-            <a:gs pos="100000">
-              <a:schemeClr val="phClr">
-                <a:tint val="50000"/>
-                <a:shade val="100000"/>
-                <a:satMod val="350000"/>
-              </a:schemeClr>
-            </a:gs>
-          </a:gsLst>
-          <a:lin ang="16200000" scaled="0"/>
-        </a:gradFill>
-      </a:fillStyleLst>
-      <a:lnStyleLst>
-        <a:ln w="9525" cap="flat" cmpd="sng" algn="ctr">
-          <a:solidFill>
-            <a:schemeClr val="phClr">
-              <a:shade val="95000"/>
-              <a:satMod val="105000"/>
-            </a:schemeClr>
-          </a:solidFill>
-          <a:prstDash val="solid"/>
-        </a:ln>
-        <a:ln w="25400" cap="flat" cmpd="sng" algn="ctr">
-          <a:solidFill>
-            <a:schemeClr val="phClr"/>
-          </a:solidFill>
-          <a:prstDash val="solid"/>
-        </a:ln>
-        <a:ln w="38100" cap="flat" cmpd="sng" algn="ctr">
-          <a:solidFill>
-            <a:schemeClr val="phClr"/>
-          </a:solidFill>
-          <a:prstDash val="solid"/>
-        </a:ln>
-      </a:lnStyleLst>
-      <a:effectStyleLst>
-        <a:effectStyle>
-          <a:effectLst>
-            <a:outerShdw blurRad="40000" dist="20000" dir="5400000" rotWithShape="0">
-              <a:srgbClr val="000000">
-                <a:alpha val="38000"/>
-              </a:srgbClr>
-            </a:outerShdw>
-          </a:effectLst>
-        </a:effectStyle>
-        <a:effectStyle>
-          <a:effectLst>
-            <a:outerShdw blurRad="40000" dist="23000" dir="5400000" rotWithShape="0">
-              <a:srgbClr val="000000">
-                <a:alpha val="35000"/>
-              </a:srgbClr>
-            </a:outerShdw>
-          </a:effectLst>
-        </a:effectStyle>
-        <a:effectStyle>
-          <a:effectLst>
-            <a:outerShdw blurRad="40000" dist="23000" dir="5400000" rotWithShape="0">
-              <a:srgbClr val="000000">
-                <a:alpha val="35000"/>
-              </a:srgbClr>
-            </a:outerShdw>
-          </a:effectLst>
-          <a:scene3d>
-            <a:camera prst="orthographicFront">
-              <a:rot lat="0" lon="0" rev="0"/>
-            </a:camera>
-            <a:lightRig rig="threePt" dir="t">
-              <a:rot lat="0" lon="0" rev="1200000"/>
-            </a:lightRig>
-          </a:scene3d>
-          <a:sp3d>
-            <a:bevelT w="63500" h="25400"/>
-          </a:sp3d>
-        </a:effectStyle>
-      </a:effectStyleLst>
-      <a:bgFillStyleLst>
-        <a:solidFill>
-          <a:schemeClr val="phClr"/>
-        </a:solidFill>
-        <a:gradFill rotWithShape="1">
-          <a:gsLst>
-            <a:gs pos="0">
-              <a:schemeClr val="phClr">
-                <a:tint val="40000"/>
-                <a:satMod val="350000"/>
-              </a:schemeClr>
-            </a:gs>
-            <a:gs pos="40000">
-              <a:schemeClr val="phClr">
-                <a:tint val="45000"/>
-                <a:shade val="99000"/>
-                <a:satMod val="350000"/>
-              </a:schemeClr>
-            </a:gs>
-            <a:gs pos="100000">
-              <a:schemeClr val="phClr">
-                <a:shade val="20000"/>
-                <a:satMod val="255000"/>
-              </a:schemeClr>
-            </a:gs>
-          </a:gsLst>
-          <a:path path="circle">
-            <a:fillToRect l="50000" t="-80000" r="50000" b="180000"/>
-          </a:path>
-        </a:gradFill>
-        <a:gradFill rotWithShape="1">
-          <a:gsLst>
-            <a:gs pos="0">
-              <a:schemeClr val="phClr">
-                <a:tint val="80000"/>
-                <a:satMod val="300000"/>
-              </a:schemeClr>
-            </a:gs>
-            <a:gs pos="100000">
-              <a:schemeClr val="phClr">
-                <a:shade val="30000"/>
-                <a:satMod val="200000"/>
-              </a:schemeClr>
-            </a:gs>
-          </a:gsLst>
-          <a:path path="circle">
-            <a:fillToRect l="50000" t="50000" r="50000" b="50000"/>
-          </a:path>
-        </a:gradFill>
-      </a:bgFillStyleLst>
-    </a:fmtScheme>
-  </a:themeElements>
-</a:theme>
 </file>